--- a/Dev/Bruce/Bruce_Slides.pptx
+++ b/Dev/Bruce/Bruce_Slides.pptx
@@ -125,7 +125,7 @@
 <file path=ppt/revisionInfo.xml><?xml version="1.0" encoding="utf-8"?>
 <p1510:revInfo xmlns:a="http://schemas.openxmlformats.org/drawingml/2006/main" xmlns:r="http://schemas.openxmlformats.org/officeDocument/2006/relationships" xmlns:p1510="http://schemas.microsoft.com/office/powerpoint/2015/10/main">
   <p1510:revLst>
-    <p1510:client id="{AC789E22-8409-49D6-971C-20C6B424FF08}" v="7" dt="2020-07-24T23:17:39.830"/>
+    <p1510:client id="{AC789E22-8409-49D6-971C-20C6B424FF08}" v="11" dt="2020-07-25T11:22:44.886"/>
   </p1510:revLst>
 </p1510:revInfo>
 </file>
@@ -135,18 +135,18 @@
   <pc:docChgLst>
     <pc:chgData name="Bruce Mark" userId="816b9cc1b8e7bb9c" providerId="LiveId" clId="{AC789E22-8409-49D6-971C-20C6B424FF08}"/>
     <pc:docChg chg="undo custSel addSld delSld modSld sldOrd">
-      <pc:chgData name="Bruce Mark" userId="816b9cc1b8e7bb9c" providerId="LiveId" clId="{AC789E22-8409-49D6-971C-20C6B424FF08}" dt="2020-07-24T23:20:14.252" v="725" actId="20577"/>
+      <pc:chgData name="Bruce Mark" userId="816b9cc1b8e7bb9c" providerId="LiveId" clId="{AC789E22-8409-49D6-971C-20C6B424FF08}" dt="2020-07-25T11:23:27.709" v="739" actId="21"/>
       <pc:docMkLst>
         <pc:docMk/>
       </pc:docMkLst>
       <pc:sldChg chg="modSp mod">
-        <pc:chgData name="Bruce Mark" userId="816b9cc1b8e7bb9c" providerId="LiveId" clId="{AC789E22-8409-49D6-971C-20C6B424FF08}" dt="2020-07-24T23:20:14.252" v="725" actId="20577"/>
+        <pc:chgData name="Bruce Mark" userId="816b9cc1b8e7bb9c" providerId="LiveId" clId="{AC789E22-8409-49D6-971C-20C6B424FF08}" dt="2020-07-25T01:28:57.209" v="731" actId="207"/>
         <pc:sldMkLst>
           <pc:docMk/>
           <pc:sldMk cId="3460352096" sldId="256"/>
         </pc:sldMkLst>
         <pc:spChg chg="mod">
-          <ac:chgData name="Bruce Mark" userId="816b9cc1b8e7bb9c" providerId="LiveId" clId="{AC789E22-8409-49D6-971C-20C6B424FF08}" dt="2020-07-24T23:20:14.252" v="725" actId="20577"/>
+          <ac:chgData name="Bruce Mark" userId="816b9cc1b8e7bb9c" providerId="LiveId" clId="{AC789E22-8409-49D6-971C-20C6B424FF08}" dt="2020-07-25T01:28:57.209" v="731" actId="207"/>
           <ac:spMkLst>
             <pc:docMk/>
             <pc:sldMk cId="3460352096" sldId="256"/>
@@ -154,7 +154,7 @@
           </ac:spMkLst>
         </pc:spChg>
         <pc:spChg chg="mod">
-          <ac:chgData name="Bruce Mark" userId="816b9cc1b8e7bb9c" providerId="LiveId" clId="{AC789E22-8409-49D6-971C-20C6B424FF08}" dt="2020-07-24T23:17:53.524" v="714" actId="255"/>
+          <ac:chgData name="Bruce Mark" userId="816b9cc1b8e7bb9c" providerId="LiveId" clId="{AC789E22-8409-49D6-971C-20C6B424FF08}" dt="2020-07-25T01:28:49.388" v="730" actId="207"/>
           <ac:spMkLst>
             <pc:docMk/>
             <pc:sldMk cId="3460352096" sldId="256"/>
@@ -170,13 +170,13 @@
         </pc:sldMkLst>
       </pc:sldChg>
       <pc:sldChg chg="modSp mod">
-        <pc:chgData name="Bruce Mark" userId="816b9cc1b8e7bb9c" providerId="LiveId" clId="{AC789E22-8409-49D6-971C-20C6B424FF08}" dt="2020-07-24T22:20:41.884" v="622" actId="20577"/>
+        <pc:chgData name="Bruce Mark" userId="816b9cc1b8e7bb9c" providerId="LiveId" clId="{AC789E22-8409-49D6-971C-20C6B424FF08}" dt="2020-07-25T00:48:22.908" v="726" actId="20577"/>
         <pc:sldMkLst>
           <pc:docMk/>
           <pc:sldMk cId="1795393081" sldId="258"/>
         </pc:sldMkLst>
         <pc:spChg chg="mod">
-          <ac:chgData name="Bruce Mark" userId="816b9cc1b8e7bb9c" providerId="LiveId" clId="{AC789E22-8409-49D6-971C-20C6B424FF08}" dt="2020-07-24T22:20:41.884" v="622" actId="20577"/>
+          <ac:chgData name="Bruce Mark" userId="816b9cc1b8e7bb9c" providerId="LiveId" clId="{AC789E22-8409-49D6-971C-20C6B424FF08}" dt="2020-07-25T00:48:22.908" v="726" actId="20577"/>
           <ac:spMkLst>
             <pc:docMk/>
             <pc:sldMk cId="1795393081" sldId="258"/>
@@ -303,8 +303,8 @@
           <pc:sldMk cId="3604890769" sldId="268"/>
         </pc:sldMkLst>
       </pc:sldChg>
-      <pc:sldChg chg="addSp modSp mod">
-        <pc:chgData name="Bruce Mark" userId="816b9cc1b8e7bb9c" providerId="LiveId" clId="{AC789E22-8409-49D6-971C-20C6B424FF08}" dt="2020-07-24T22:08:28.952" v="244" actId="1076"/>
+      <pc:sldChg chg="addSp delSp modSp mod">
+        <pc:chgData name="Bruce Mark" userId="816b9cc1b8e7bb9c" providerId="LiveId" clId="{AC789E22-8409-49D6-971C-20C6B424FF08}" dt="2020-07-25T11:23:27.709" v="739" actId="21"/>
         <pc:sldMkLst>
           <pc:docMk/>
           <pc:sldMk cId="1481805281" sldId="269"/>
@@ -325,6 +325,14 @@
             <ac:spMk id="5" creationId="{78F8A06F-C846-4811-B309-D744A442F491}"/>
           </ac:spMkLst>
         </pc:spChg>
+        <pc:spChg chg="mod">
+          <ac:chgData name="Bruce Mark" userId="816b9cc1b8e7bb9c" providerId="LiveId" clId="{AC789E22-8409-49D6-971C-20C6B424FF08}" dt="2020-07-25T11:22:55.124" v="733" actId="1076"/>
+          <ac:spMkLst>
+            <pc:docMk/>
+            <pc:sldMk cId="1481805281" sldId="269"/>
+            <ac:spMk id="16" creationId="{8F8E062A-A0E6-4410-83DA-A58CB8A2C8E5}"/>
+          </ac:spMkLst>
+        </pc:spChg>
         <pc:picChg chg="add mod">
           <ac:chgData name="Bruce Mark" userId="816b9cc1b8e7bb9c" providerId="LiveId" clId="{AC789E22-8409-49D6-971C-20C6B424FF08}" dt="2020-07-24T22:08:28.952" v="244" actId="1076"/>
           <ac:picMkLst>
@@ -333,8 +341,16 @@
             <ac:picMk id="4" creationId="{0ECB5741-1572-4280-8745-B84BB9426B49}"/>
           </ac:picMkLst>
         </pc:picChg>
-        <pc:picChg chg="mod">
-          <ac:chgData name="Bruce Mark" userId="816b9cc1b8e7bb9c" providerId="LiveId" clId="{AC789E22-8409-49D6-971C-20C6B424FF08}" dt="2020-07-24T22:00:07.717" v="112" actId="1076"/>
+        <pc:picChg chg="add mod">
+          <ac:chgData name="Bruce Mark" userId="816b9cc1b8e7bb9c" providerId="LiveId" clId="{AC789E22-8409-49D6-971C-20C6B424FF08}" dt="2020-07-25T11:23:23.962" v="737" actId="1076"/>
+          <ac:picMkLst>
+            <pc:docMk/>
+            <pc:sldMk cId="1481805281" sldId="269"/>
+            <ac:picMk id="7" creationId="{A4436ED5-443F-415E-B964-6A8097BC595A}"/>
+          </ac:picMkLst>
+        </pc:picChg>
+        <pc:picChg chg="del mod">
+          <ac:chgData name="Bruce Mark" userId="816b9cc1b8e7bb9c" providerId="LiveId" clId="{AC789E22-8409-49D6-971C-20C6B424FF08}" dt="2020-07-25T11:23:27.709" v="739" actId="21"/>
           <ac:picMkLst>
             <pc:docMk/>
             <pc:sldMk cId="1481805281" sldId="269"/>
@@ -481,7 +497,7 @@
           <a:noFill/>
           <a:extLst>
             <a:ext uri="{909E8E84-426E-40dd-AFC4-6F175D3DCCD1}">
-              <a14:hiddenFill xmlns="" xmlns:a14="http://schemas.microsoft.com/office/drawing/2010/main">
+              <a14:hiddenFill xmlns:a14="http://schemas.microsoft.com/office/drawing/2010/main" xmlns="">
                 <a:solidFill>
                   <a:srgbClr val="FFFFFF"/>
                 </a:solidFill>
@@ -540,7 +556,7 @@
             </a:ln>
             <a:extLst>
               <a:ext uri="{91240B29-F687-4f45-9708-019B960494DF}">
-                <a14:hiddenLine xmlns="" xmlns:a14="http://schemas.microsoft.com/office/drawing/2010/main" w="9525">
+                <a14:hiddenLine xmlns:a14="http://schemas.microsoft.com/office/drawing/2010/main" xmlns="" w="9525">
                   <a:solidFill>
                     <a:srgbClr val="000000"/>
                   </a:solidFill>
@@ -630,7 +646,7 @@
             </a:ln>
             <a:extLst>
               <a:ext uri="{91240B29-F687-4f45-9708-019B960494DF}">
-                <a14:hiddenLine xmlns="" xmlns:a14="http://schemas.microsoft.com/office/drawing/2010/main" w="9525">
+                <a14:hiddenLine xmlns:a14="http://schemas.microsoft.com/office/drawing/2010/main" xmlns="" w="9525">
                   <a:solidFill>
                     <a:srgbClr val="000000"/>
                   </a:solidFill>
@@ -720,7 +736,7 @@
             </a:ln>
             <a:extLst>
               <a:ext uri="{91240B29-F687-4f45-9708-019B960494DF}">
-                <a14:hiddenLine xmlns="" xmlns:a14="http://schemas.microsoft.com/office/drawing/2010/main" w="9525">
+                <a14:hiddenLine xmlns:a14="http://schemas.microsoft.com/office/drawing/2010/main" xmlns="" w="9525">
                   <a:solidFill>
                     <a:srgbClr val="000000"/>
                   </a:solidFill>
@@ -754,7 +770,7 @@
             </a:ln>
             <a:extLst>
               <a:ext uri="{91240B29-F687-4f45-9708-019B960494DF}">
-                <a14:hiddenLine xmlns="" xmlns:a14="http://schemas.microsoft.com/office/drawing/2010/main" w="9525">
+                <a14:hiddenLine xmlns:a14="http://schemas.microsoft.com/office/drawing/2010/main" xmlns="" w="9525">
                   <a:solidFill>
                     <a:srgbClr val="000000"/>
                   </a:solidFill>
@@ -844,7 +860,7 @@
             </a:ln>
             <a:extLst>
               <a:ext uri="{91240B29-F687-4f45-9708-019B960494DF}">
-                <a14:hiddenLine xmlns="" xmlns:a14="http://schemas.microsoft.com/office/drawing/2010/main" w="9525">
+                <a14:hiddenLine xmlns:a14="http://schemas.microsoft.com/office/drawing/2010/main" xmlns="" w="9525">
                   <a:solidFill>
                     <a:srgbClr val="000000"/>
                   </a:solidFill>
@@ -906,7 +922,7 @@
             </a:ln>
             <a:extLst>
               <a:ext uri="{91240B29-F687-4f45-9708-019B960494DF}">
-                <a14:hiddenLine xmlns="" xmlns:a14="http://schemas.microsoft.com/office/drawing/2010/main" w="9525">
+                <a14:hiddenLine xmlns:a14="http://schemas.microsoft.com/office/drawing/2010/main" xmlns="" w="9525">
                   <a:solidFill>
                     <a:srgbClr val="000000"/>
                   </a:solidFill>
@@ -968,7 +984,7 @@
             </a:ln>
             <a:extLst>
               <a:ext uri="{91240B29-F687-4f45-9708-019B960494DF}">
-                <a14:hiddenLine xmlns="" xmlns:a14="http://schemas.microsoft.com/office/drawing/2010/main" w="9525">
+                <a14:hiddenLine xmlns:a14="http://schemas.microsoft.com/office/drawing/2010/main" xmlns="" w="9525">
                   <a:solidFill>
                     <a:srgbClr val="000000"/>
                   </a:solidFill>
@@ -1058,7 +1074,7 @@
             </a:ln>
             <a:extLst>
               <a:ext uri="{91240B29-F687-4f45-9708-019B960494DF}">
-                <a14:hiddenLine xmlns="" xmlns:a14="http://schemas.microsoft.com/office/drawing/2010/main" w="9525">
+                <a14:hiddenLine xmlns:a14="http://schemas.microsoft.com/office/drawing/2010/main" xmlns="" w="9525">
                   <a:solidFill>
                     <a:srgbClr val="000000"/>
                   </a:solidFill>
@@ -1120,7 +1136,7 @@
             </a:ln>
             <a:extLst>
               <a:ext uri="{91240B29-F687-4f45-9708-019B960494DF}">
-                <a14:hiddenLine xmlns="" xmlns:a14="http://schemas.microsoft.com/office/drawing/2010/main" w="9525">
+                <a14:hiddenLine xmlns:a14="http://schemas.microsoft.com/office/drawing/2010/main" xmlns="" w="9525">
                   <a:solidFill>
                     <a:srgbClr val="000000"/>
                   </a:solidFill>
@@ -1182,7 +1198,7 @@
             </a:ln>
             <a:extLst>
               <a:ext uri="{91240B29-F687-4f45-9708-019B960494DF}">
-                <a14:hiddenLine xmlns="" xmlns:a14="http://schemas.microsoft.com/office/drawing/2010/main" w="9525">
+                <a14:hiddenLine xmlns:a14="http://schemas.microsoft.com/office/drawing/2010/main" xmlns="" w="9525">
                   <a:solidFill>
                     <a:srgbClr val="000000"/>
                   </a:solidFill>
@@ -1272,7 +1288,7 @@
             </a:ln>
             <a:extLst>
               <a:ext uri="{91240B29-F687-4f45-9708-019B960494DF}">
-                <a14:hiddenLine xmlns="" xmlns:a14="http://schemas.microsoft.com/office/drawing/2010/main" w="9525">
+                <a14:hiddenLine xmlns:a14="http://schemas.microsoft.com/office/drawing/2010/main" xmlns="" w="9525">
                   <a:solidFill>
                     <a:srgbClr val="000000"/>
                   </a:solidFill>
@@ -1362,7 +1378,7 @@
             </a:ln>
             <a:extLst>
               <a:ext uri="{91240B29-F687-4f45-9708-019B960494DF}">
-                <a14:hiddenLine xmlns="" xmlns:a14="http://schemas.microsoft.com/office/drawing/2010/main" w="9525">
+                <a14:hiddenLine xmlns:a14="http://schemas.microsoft.com/office/drawing/2010/main" xmlns="" w="9525">
                   <a:solidFill>
                     <a:srgbClr val="000000"/>
                   </a:solidFill>
@@ -1424,7 +1440,7 @@
             </a:ln>
             <a:extLst>
               <a:ext uri="{91240B29-F687-4f45-9708-019B960494DF}">
-                <a14:hiddenLine xmlns="" xmlns:a14="http://schemas.microsoft.com/office/drawing/2010/main" w="9525">
+                <a14:hiddenLine xmlns:a14="http://schemas.microsoft.com/office/drawing/2010/main" xmlns="" w="9525">
                   <a:solidFill>
                     <a:srgbClr val="000000"/>
                   </a:solidFill>
@@ -1534,7 +1550,7 @@
             </a:ln>
             <a:extLst>
               <a:ext uri="{91240B29-F687-4f45-9708-019B960494DF}">
-                <a14:hiddenLine xmlns="" xmlns:a14="http://schemas.microsoft.com/office/drawing/2010/main" w="9525">
+                <a14:hiddenLine xmlns:a14="http://schemas.microsoft.com/office/drawing/2010/main" xmlns="" w="9525">
                   <a:solidFill>
                     <a:srgbClr val="000000"/>
                   </a:solidFill>
@@ -1596,7 +1612,7 @@
             </a:ln>
             <a:extLst>
               <a:ext uri="{91240B29-F687-4f45-9708-019B960494DF}">
-                <a14:hiddenLine xmlns="" xmlns:a14="http://schemas.microsoft.com/office/drawing/2010/main" w="9525">
+                <a14:hiddenLine xmlns:a14="http://schemas.microsoft.com/office/drawing/2010/main" xmlns="" w="9525">
                   <a:solidFill>
                     <a:srgbClr val="000000"/>
                   </a:solidFill>
@@ -1686,7 +1702,7 @@
             </a:ln>
             <a:extLst>
               <a:ext uri="{91240B29-F687-4f45-9708-019B960494DF}">
-                <a14:hiddenLine xmlns="" xmlns:a14="http://schemas.microsoft.com/office/drawing/2010/main" w="9525">
+                <a14:hiddenLine xmlns:a14="http://schemas.microsoft.com/office/drawing/2010/main" xmlns="" w="9525">
                   <a:solidFill>
                     <a:srgbClr val="000000"/>
                   </a:solidFill>
@@ -1776,7 +1792,7 @@
             </a:ln>
             <a:extLst>
               <a:ext uri="{91240B29-F687-4f45-9708-019B960494DF}">
-                <a14:hiddenLine xmlns="" xmlns:a14="http://schemas.microsoft.com/office/drawing/2010/main" w="9525">
+                <a14:hiddenLine xmlns:a14="http://schemas.microsoft.com/office/drawing/2010/main" xmlns="" w="9525">
                   <a:solidFill>
                     <a:srgbClr val="000000"/>
                   </a:solidFill>
@@ -1838,7 +1854,7 @@
             </a:ln>
             <a:extLst>
               <a:ext uri="{91240B29-F687-4f45-9708-019B960494DF}">
-                <a14:hiddenLine xmlns="" xmlns:a14="http://schemas.microsoft.com/office/drawing/2010/main" w="9525">
+                <a14:hiddenLine xmlns:a14="http://schemas.microsoft.com/office/drawing/2010/main" xmlns="" w="9525">
                   <a:solidFill>
                     <a:srgbClr val="000000"/>
                   </a:solidFill>
@@ -1928,7 +1944,7 @@
             </a:ln>
             <a:extLst>
               <a:ext uri="{91240B29-F687-4f45-9708-019B960494DF}">
-                <a14:hiddenLine xmlns="" xmlns:a14="http://schemas.microsoft.com/office/drawing/2010/main" w="9525">
+                <a14:hiddenLine xmlns:a14="http://schemas.microsoft.com/office/drawing/2010/main" xmlns="" w="9525">
                   <a:solidFill>
                     <a:srgbClr val="000000"/>
                   </a:solidFill>
@@ -2018,7 +2034,7 @@
             </a:ln>
             <a:extLst>
               <a:ext uri="{91240B29-F687-4f45-9708-019B960494DF}">
-                <a14:hiddenLine xmlns="" xmlns:a14="http://schemas.microsoft.com/office/drawing/2010/main" w="9525">
+                <a14:hiddenLine xmlns:a14="http://schemas.microsoft.com/office/drawing/2010/main" xmlns="" w="9525">
                   <a:solidFill>
                     <a:srgbClr val="000000"/>
                   </a:solidFill>
@@ -2074,7 +2090,7 @@
             </a:ln>
             <a:extLst>
               <a:ext uri="{91240B29-F687-4f45-9708-019B960494DF}">
-                <a14:hiddenLine xmlns="" xmlns:a14="http://schemas.microsoft.com/office/drawing/2010/main" w="9525">
+                <a14:hiddenLine xmlns:a14="http://schemas.microsoft.com/office/drawing/2010/main" xmlns="" w="9525">
                   <a:solidFill>
                     <a:srgbClr val="000000"/>
                   </a:solidFill>
@@ -2164,7 +2180,7 @@
             </a:ln>
             <a:extLst>
               <a:ext uri="{91240B29-F687-4f45-9708-019B960494DF}">
-                <a14:hiddenLine xmlns="" xmlns:a14="http://schemas.microsoft.com/office/drawing/2010/main" w="9525">
+                <a14:hiddenLine xmlns:a14="http://schemas.microsoft.com/office/drawing/2010/main" xmlns="" w="9525">
                   <a:solidFill>
                     <a:srgbClr val="000000"/>
                   </a:solidFill>
@@ -2220,7 +2236,7 @@
             </a:ln>
             <a:extLst>
               <a:ext uri="{91240B29-F687-4f45-9708-019B960494DF}">
-                <a14:hiddenLine xmlns="" xmlns:a14="http://schemas.microsoft.com/office/drawing/2010/main" w="9525">
+                <a14:hiddenLine xmlns:a14="http://schemas.microsoft.com/office/drawing/2010/main" xmlns="" w="9525">
                   <a:solidFill>
                     <a:srgbClr val="000000"/>
                   </a:solidFill>
@@ -2310,7 +2326,7 @@
             </a:ln>
             <a:extLst>
               <a:ext uri="{91240B29-F687-4f45-9708-019B960494DF}">
-                <a14:hiddenLine xmlns="" xmlns:a14="http://schemas.microsoft.com/office/drawing/2010/main" w="9525">
+                <a14:hiddenLine xmlns:a14="http://schemas.microsoft.com/office/drawing/2010/main" xmlns="" w="9525">
                   <a:solidFill>
                     <a:srgbClr val="000000"/>
                   </a:solidFill>
@@ -2378,7 +2394,7 @@
             </a:ln>
             <a:extLst>
               <a:ext uri="{91240B29-F687-4f45-9708-019B960494DF}">
-                <a14:hiddenLine xmlns="" xmlns:a14="http://schemas.microsoft.com/office/drawing/2010/main" w="9525">
+                <a14:hiddenLine xmlns:a14="http://schemas.microsoft.com/office/drawing/2010/main" xmlns="" w="9525">
                   <a:solidFill>
                     <a:srgbClr val="000000"/>
                   </a:solidFill>
@@ -2468,7 +2484,7 @@
             </a:ln>
             <a:extLst>
               <a:ext uri="{91240B29-F687-4f45-9708-019B960494DF}">
-                <a14:hiddenLine xmlns="" xmlns:a14="http://schemas.microsoft.com/office/drawing/2010/main" w="9525">
+                <a14:hiddenLine xmlns:a14="http://schemas.microsoft.com/office/drawing/2010/main" xmlns="" w="9525">
                   <a:solidFill>
                     <a:srgbClr val="000000"/>
                   </a:solidFill>
@@ -2536,7 +2552,7 @@
             </a:ln>
             <a:extLst>
               <a:ext uri="{91240B29-F687-4f45-9708-019B960494DF}">
-                <a14:hiddenLine xmlns="" xmlns:a14="http://schemas.microsoft.com/office/drawing/2010/main" w="9525">
+                <a14:hiddenLine xmlns:a14="http://schemas.microsoft.com/office/drawing/2010/main" xmlns="" w="9525">
                   <a:solidFill>
                     <a:srgbClr val="000000"/>
                   </a:solidFill>
@@ -2626,7 +2642,7 @@
             </a:ln>
             <a:extLst>
               <a:ext uri="{91240B29-F687-4f45-9708-019B960494DF}">
-                <a14:hiddenLine xmlns="" xmlns:a14="http://schemas.microsoft.com/office/drawing/2010/main" w="9525">
+                <a14:hiddenLine xmlns:a14="http://schemas.microsoft.com/office/drawing/2010/main" xmlns="" w="9525">
                   <a:solidFill>
                     <a:srgbClr val="000000"/>
                   </a:solidFill>
@@ -2660,7 +2676,7 @@
             </a:ln>
             <a:extLst>
               <a:ext uri="{91240B29-F687-4f45-9708-019B960494DF}">
-                <a14:hiddenLine xmlns="" xmlns:a14="http://schemas.microsoft.com/office/drawing/2010/main" w="9525">
+                <a14:hiddenLine xmlns:a14="http://schemas.microsoft.com/office/drawing/2010/main" xmlns="" w="9525">
                   <a:solidFill>
                     <a:srgbClr val="000000"/>
                   </a:solidFill>
@@ -2750,7 +2766,7 @@
             </a:ln>
             <a:extLst>
               <a:ext uri="{91240B29-F687-4f45-9708-019B960494DF}">
-                <a14:hiddenLine xmlns="" xmlns:a14="http://schemas.microsoft.com/office/drawing/2010/main" w="9525">
+                <a14:hiddenLine xmlns:a14="http://schemas.microsoft.com/office/drawing/2010/main" xmlns="" w="9525">
                   <a:solidFill>
                     <a:srgbClr val="000000"/>
                   </a:solidFill>
@@ -2812,7 +2828,7 @@
             </a:ln>
             <a:extLst>
               <a:ext uri="{91240B29-F687-4f45-9708-019B960494DF}">
-                <a14:hiddenLine xmlns="" xmlns:a14="http://schemas.microsoft.com/office/drawing/2010/main" w="9525">
+                <a14:hiddenLine xmlns:a14="http://schemas.microsoft.com/office/drawing/2010/main" xmlns="" w="9525">
                   <a:solidFill>
                     <a:srgbClr val="000000"/>
                   </a:solidFill>
@@ -2874,7 +2890,7 @@
             </a:ln>
             <a:extLst>
               <a:ext uri="{91240B29-F687-4f45-9708-019B960494DF}">
-                <a14:hiddenLine xmlns="" xmlns:a14="http://schemas.microsoft.com/office/drawing/2010/main" w="9525">
+                <a14:hiddenLine xmlns:a14="http://schemas.microsoft.com/office/drawing/2010/main" xmlns="" w="9525">
                   <a:solidFill>
                     <a:srgbClr val="000000"/>
                   </a:solidFill>
@@ -2964,7 +2980,7 @@
             </a:ln>
             <a:extLst>
               <a:ext uri="{91240B29-F687-4f45-9708-019B960494DF}">
-                <a14:hiddenLine xmlns="" xmlns:a14="http://schemas.microsoft.com/office/drawing/2010/main" w="9525">
+                <a14:hiddenLine xmlns:a14="http://schemas.microsoft.com/office/drawing/2010/main" xmlns="" w="9525">
                   <a:solidFill>
                     <a:srgbClr val="000000"/>
                   </a:solidFill>
@@ -3032,7 +3048,7 @@
             </a:ln>
             <a:extLst>
               <a:ext uri="{91240B29-F687-4f45-9708-019B960494DF}">
-                <a14:hiddenLine xmlns="" xmlns:a14="http://schemas.microsoft.com/office/drawing/2010/main" w="9525">
+                <a14:hiddenLine xmlns:a14="http://schemas.microsoft.com/office/drawing/2010/main" xmlns="" w="9525">
                   <a:solidFill>
                     <a:srgbClr val="000000"/>
                   </a:solidFill>
@@ -3094,7 +3110,7 @@
             </a:ln>
             <a:extLst>
               <a:ext uri="{91240B29-F687-4f45-9708-019B960494DF}">
-                <a14:hiddenLine xmlns="" xmlns:a14="http://schemas.microsoft.com/office/drawing/2010/main" w="9525">
+                <a14:hiddenLine xmlns:a14="http://schemas.microsoft.com/office/drawing/2010/main" xmlns="" w="9525">
                   <a:solidFill>
                     <a:srgbClr val="000000"/>
                   </a:solidFill>
@@ -3184,7 +3200,7 @@
             </a:ln>
             <a:extLst>
               <a:ext uri="{91240B29-F687-4f45-9708-019B960494DF}">
-                <a14:hiddenLine xmlns="" xmlns:a14="http://schemas.microsoft.com/office/drawing/2010/main" w="9525">
+                <a14:hiddenLine xmlns:a14="http://schemas.microsoft.com/office/drawing/2010/main" xmlns="" w="9525">
                   <a:solidFill>
                     <a:srgbClr val="000000"/>
                   </a:solidFill>
@@ -3246,7 +3262,7 @@
             </a:ln>
             <a:extLst>
               <a:ext uri="{91240B29-F687-4f45-9708-019B960494DF}">
-                <a14:hiddenLine xmlns="" xmlns:a14="http://schemas.microsoft.com/office/drawing/2010/main" w="9525">
+                <a14:hiddenLine xmlns:a14="http://schemas.microsoft.com/office/drawing/2010/main" xmlns="" w="9525">
                   <a:solidFill>
                     <a:srgbClr val="000000"/>
                   </a:solidFill>
@@ -3336,7 +3352,7 @@
             </a:ln>
             <a:extLst>
               <a:ext uri="{91240B29-F687-4f45-9708-019B960494DF}">
-                <a14:hiddenLine xmlns="" xmlns:a14="http://schemas.microsoft.com/office/drawing/2010/main" w="9525">
+                <a14:hiddenLine xmlns:a14="http://schemas.microsoft.com/office/drawing/2010/main" xmlns="" w="9525">
                   <a:solidFill>
                     <a:srgbClr val="000000"/>
                   </a:solidFill>
@@ -3398,7 +3414,7 @@
             </a:ln>
             <a:extLst>
               <a:ext uri="{91240B29-F687-4f45-9708-019B960494DF}">
-                <a14:hiddenLine xmlns="" xmlns:a14="http://schemas.microsoft.com/office/drawing/2010/main" w="9525">
+                <a14:hiddenLine xmlns:a14="http://schemas.microsoft.com/office/drawing/2010/main" xmlns="" w="9525">
                   <a:solidFill>
                     <a:srgbClr val="000000"/>
                   </a:solidFill>
@@ -3488,7 +3504,7 @@
             </a:ln>
             <a:extLst>
               <a:ext uri="{91240B29-F687-4f45-9708-019B960494DF}">
-                <a14:hiddenLine xmlns="" xmlns:a14="http://schemas.microsoft.com/office/drawing/2010/main" w="9525">
+                <a14:hiddenLine xmlns:a14="http://schemas.microsoft.com/office/drawing/2010/main" xmlns="" w="9525">
                   <a:solidFill>
                     <a:srgbClr val="000000"/>
                   </a:solidFill>
@@ -3522,7 +3538,7 @@
             </a:ln>
             <a:extLst>
               <a:ext uri="{91240B29-F687-4f45-9708-019B960494DF}">
-                <a14:hiddenLine xmlns="" xmlns:a14="http://schemas.microsoft.com/office/drawing/2010/main" w="9525">
+                <a14:hiddenLine xmlns:a14="http://schemas.microsoft.com/office/drawing/2010/main" xmlns="" w="9525">
                   <a:solidFill>
                     <a:srgbClr val="000000"/>
                   </a:solidFill>
@@ -3587,7 +3603,7 @@
             </a:ln>
             <a:extLst>
               <a:ext uri="{91240B29-F687-4f45-9708-019B960494DF}">
-                <a14:hiddenLine xmlns="" xmlns:a14="http://schemas.microsoft.com/office/drawing/2010/main" w="9525">
+                <a14:hiddenLine xmlns:a14="http://schemas.microsoft.com/office/drawing/2010/main" xmlns="" w="9525">
                   <a:solidFill>
                     <a:srgbClr val="000000"/>
                   </a:solidFill>
@@ -3677,7 +3693,7 @@
             </a:ln>
             <a:extLst>
               <a:ext uri="{91240B29-F687-4f45-9708-019B960494DF}">
-                <a14:hiddenLine xmlns="" xmlns:a14="http://schemas.microsoft.com/office/drawing/2010/main" w="9525">
+                <a14:hiddenLine xmlns:a14="http://schemas.microsoft.com/office/drawing/2010/main" xmlns="" w="9525">
                   <a:solidFill>
                     <a:srgbClr val="000000"/>
                   </a:solidFill>
@@ -3739,7 +3755,7 @@
             </a:ln>
             <a:extLst>
               <a:ext uri="{91240B29-F687-4f45-9708-019B960494DF}">
-                <a14:hiddenLine xmlns="" xmlns:a14="http://schemas.microsoft.com/office/drawing/2010/main" w="9525">
+                <a14:hiddenLine xmlns:a14="http://schemas.microsoft.com/office/drawing/2010/main" xmlns="" w="9525">
                   <a:solidFill>
                     <a:srgbClr val="000000"/>
                   </a:solidFill>
@@ -3829,7 +3845,7 @@
             </a:ln>
             <a:extLst>
               <a:ext uri="{91240B29-F687-4f45-9708-019B960494DF}">
-                <a14:hiddenLine xmlns="" xmlns:a14="http://schemas.microsoft.com/office/drawing/2010/main" w="9525">
+                <a14:hiddenLine xmlns:a14="http://schemas.microsoft.com/office/drawing/2010/main" xmlns="" w="9525">
                   <a:solidFill>
                     <a:srgbClr val="000000"/>
                   </a:solidFill>
@@ -3919,7 +3935,7 @@
             </a:ln>
             <a:extLst>
               <a:ext uri="{91240B29-F687-4f45-9708-019B960494DF}">
-                <a14:hiddenLine xmlns="" xmlns:a14="http://schemas.microsoft.com/office/drawing/2010/main" w="9525">
+                <a14:hiddenLine xmlns:a14="http://schemas.microsoft.com/office/drawing/2010/main" xmlns="" w="9525">
                   <a:solidFill>
                     <a:srgbClr val="000000"/>
                   </a:solidFill>
@@ -3984,7 +4000,7 @@
             </a:ln>
             <a:extLst>
               <a:ext uri="{91240B29-F687-4f45-9708-019B960494DF}">
-                <a14:hiddenLine xmlns="" xmlns:a14="http://schemas.microsoft.com/office/drawing/2010/main" w="9525">
+                <a14:hiddenLine xmlns:a14="http://schemas.microsoft.com/office/drawing/2010/main" xmlns="" w="9525">
                   <a:solidFill>
                     <a:srgbClr val="000000"/>
                   </a:solidFill>
@@ -4046,7 +4062,7 @@
             </a:ln>
             <a:extLst>
               <a:ext uri="{91240B29-F687-4f45-9708-019B960494DF}">
-                <a14:hiddenLine xmlns="" xmlns:a14="http://schemas.microsoft.com/office/drawing/2010/main" w="9525">
+                <a14:hiddenLine xmlns:a14="http://schemas.microsoft.com/office/drawing/2010/main" xmlns="" w="9525">
                   <a:solidFill>
                     <a:srgbClr val="000000"/>
                   </a:solidFill>
@@ -4136,7 +4152,7 @@
             </a:ln>
             <a:extLst>
               <a:ext uri="{91240B29-F687-4f45-9708-019B960494DF}">
-                <a14:hiddenLine xmlns="" xmlns:a14="http://schemas.microsoft.com/office/drawing/2010/main" w="9525">
+                <a14:hiddenLine xmlns:a14="http://schemas.microsoft.com/office/drawing/2010/main" xmlns="" w="9525">
                   <a:solidFill>
                     <a:srgbClr val="000000"/>
                   </a:solidFill>
@@ -4226,7 +4242,7 @@
             </a:ln>
             <a:extLst>
               <a:ext uri="{91240B29-F687-4f45-9708-019B960494DF}">
-                <a14:hiddenLine xmlns="" xmlns:a14="http://schemas.microsoft.com/office/drawing/2010/main" w="9525">
+                <a14:hiddenLine xmlns:a14="http://schemas.microsoft.com/office/drawing/2010/main" xmlns="" w="9525">
                   <a:solidFill>
                     <a:srgbClr val="000000"/>
                   </a:solidFill>
@@ -4288,7 +4304,7 @@
             </a:ln>
             <a:extLst>
               <a:ext uri="{91240B29-F687-4f45-9708-019B960494DF}">
-                <a14:hiddenLine xmlns="" xmlns:a14="http://schemas.microsoft.com/office/drawing/2010/main" w="9525">
+                <a14:hiddenLine xmlns:a14="http://schemas.microsoft.com/office/drawing/2010/main" xmlns="" w="9525">
                   <a:solidFill>
                     <a:srgbClr val="000000"/>
                   </a:solidFill>
@@ -4408,7 +4424,7 @@
             </a:ln>
             <a:extLst>
               <a:ext uri="{91240B29-F687-4f45-9708-019B960494DF}">
-                <a14:hiddenLine xmlns="" xmlns:a14="http://schemas.microsoft.com/office/drawing/2010/main" w="9525">
+                <a14:hiddenLine xmlns:a14="http://schemas.microsoft.com/office/drawing/2010/main" xmlns="" w="9525">
                   <a:solidFill>
                     <a:srgbClr val="000000"/>
                   </a:solidFill>
@@ -4476,7 +4492,7 @@
             </a:ln>
             <a:extLst>
               <a:ext uri="{91240B29-F687-4f45-9708-019B960494DF}">
-                <a14:hiddenLine xmlns="" xmlns:a14="http://schemas.microsoft.com/office/drawing/2010/main" w="9525">
+                <a14:hiddenLine xmlns:a14="http://schemas.microsoft.com/office/drawing/2010/main" xmlns="" w="9525">
                   <a:solidFill>
                     <a:srgbClr val="000000"/>
                   </a:solidFill>
@@ -4566,7 +4582,7 @@
             </a:ln>
             <a:extLst>
               <a:ext uri="{91240B29-F687-4f45-9708-019B960494DF}">
-                <a14:hiddenLine xmlns="" xmlns:a14="http://schemas.microsoft.com/office/drawing/2010/main" w="9525">
+                <a14:hiddenLine xmlns:a14="http://schemas.microsoft.com/office/drawing/2010/main" xmlns="" w="9525">
                   <a:solidFill>
                     <a:srgbClr val="000000"/>
                   </a:solidFill>
@@ -9295,7 +9311,7 @@
           <a:noFill/>
           <a:extLst>
             <a:ext uri="{909E8E84-426E-40dd-AFC4-6F175D3DCCD1}">
-              <a14:hiddenFill xmlns="" xmlns:a14="http://schemas.microsoft.com/office/drawing/2010/main">
+              <a14:hiddenFill xmlns:a14="http://schemas.microsoft.com/office/drawing/2010/main" xmlns="">
                 <a:solidFill>
                   <a:srgbClr val="FFFFFF"/>
                 </a:solidFill>
@@ -9369,7 +9385,7 @@
               </a:ln>
               <a:extLst>
                 <a:ext uri="{91240B29-F687-4f45-9708-019B960494DF}">
-                  <a14:hiddenLine xmlns="" xmlns:a14="http://schemas.microsoft.com/office/drawing/2010/main" w="9525">
+                  <a14:hiddenLine xmlns:a14="http://schemas.microsoft.com/office/drawing/2010/main" xmlns="" w="9525">
                     <a:solidFill>
                       <a:srgbClr val="000000"/>
                     </a:solidFill>
@@ -9459,7 +9475,7 @@
               </a:ln>
               <a:extLst>
                 <a:ext uri="{91240B29-F687-4f45-9708-019B960494DF}">
-                  <a14:hiddenLine xmlns="" xmlns:a14="http://schemas.microsoft.com/office/drawing/2010/main" w="9525">
+                  <a14:hiddenLine xmlns:a14="http://schemas.microsoft.com/office/drawing/2010/main" xmlns="" w="9525">
                     <a:solidFill>
                       <a:srgbClr val="000000"/>
                     </a:solidFill>
@@ -9549,7 +9565,7 @@
               </a:ln>
               <a:extLst>
                 <a:ext uri="{91240B29-F687-4f45-9708-019B960494DF}">
-                  <a14:hiddenLine xmlns="" xmlns:a14="http://schemas.microsoft.com/office/drawing/2010/main" w="9525">
+                  <a14:hiddenLine xmlns:a14="http://schemas.microsoft.com/office/drawing/2010/main" xmlns="" w="9525">
                     <a:solidFill>
                       <a:srgbClr val="000000"/>
                     </a:solidFill>
@@ -9611,7 +9627,7 @@
               </a:ln>
               <a:extLst>
                 <a:ext uri="{91240B29-F687-4f45-9708-019B960494DF}">
-                  <a14:hiddenLine xmlns="" xmlns:a14="http://schemas.microsoft.com/office/drawing/2010/main" w="9525">
+                  <a14:hiddenLine xmlns:a14="http://schemas.microsoft.com/office/drawing/2010/main" xmlns="" w="9525">
                     <a:solidFill>
                       <a:srgbClr val="000000"/>
                     </a:solidFill>
@@ -9701,7 +9717,7 @@
               </a:ln>
               <a:extLst>
                 <a:ext uri="{91240B29-F687-4f45-9708-019B960494DF}">
-                  <a14:hiddenLine xmlns="" xmlns:a14="http://schemas.microsoft.com/office/drawing/2010/main" w="9525">
+                  <a14:hiddenLine xmlns:a14="http://schemas.microsoft.com/office/drawing/2010/main" xmlns="" w="9525">
                     <a:solidFill>
                       <a:srgbClr val="000000"/>
                     </a:solidFill>
@@ -9763,7 +9779,7 @@
               </a:ln>
               <a:extLst>
                 <a:ext uri="{91240B29-F687-4f45-9708-019B960494DF}">
-                  <a14:hiddenLine xmlns="" xmlns:a14="http://schemas.microsoft.com/office/drawing/2010/main" w="9525">
+                  <a14:hiddenLine xmlns:a14="http://schemas.microsoft.com/office/drawing/2010/main" xmlns="" w="9525">
                     <a:solidFill>
                       <a:srgbClr val="000000"/>
                     </a:solidFill>
@@ -9825,7 +9841,7 @@
               </a:ln>
               <a:extLst>
                 <a:ext uri="{91240B29-F687-4f45-9708-019B960494DF}">
-                  <a14:hiddenLine xmlns="" xmlns:a14="http://schemas.microsoft.com/office/drawing/2010/main" w="9525">
+                  <a14:hiddenLine xmlns:a14="http://schemas.microsoft.com/office/drawing/2010/main" xmlns="" w="9525">
                     <a:solidFill>
                       <a:srgbClr val="000000"/>
                     </a:solidFill>
@@ -9915,7 +9931,7 @@
               </a:ln>
               <a:extLst>
                 <a:ext uri="{91240B29-F687-4f45-9708-019B960494DF}">
-                  <a14:hiddenLine xmlns="" xmlns:a14="http://schemas.microsoft.com/office/drawing/2010/main" w="9525">
+                  <a14:hiddenLine xmlns:a14="http://schemas.microsoft.com/office/drawing/2010/main" xmlns="" w="9525">
                     <a:solidFill>
                       <a:srgbClr val="000000"/>
                     </a:solidFill>
@@ -10005,7 +10021,7 @@
               </a:ln>
               <a:extLst>
                 <a:ext uri="{91240B29-F687-4f45-9708-019B960494DF}">
-                  <a14:hiddenLine xmlns="" xmlns:a14="http://schemas.microsoft.com/office/drawing/2010/main" w="9525">
+                  <a14:hiddenLine xmlns:a14="http://schemas.microsoft.com/office/drawing/2010/main" xmlns="" w="9525">
                     <a:solidFill>
                       <a:srgbClr val="000000"/>
                     </a:solidFill>
@@ -10067,7 +10083,7 @@
               </a:ln>
               <a:extLst>
                 <a:ext uri="{91240B29-F687-4f45-9708-019B960494DF}">
-                  <a14:hiddenLine xmlns="" xmlns:a14="http://schemas.microsoft.com/office/drawing/2010/main" w="9525">
+                  <a14:hiddenLine xmlns:a14="http://schemas.microsoft.com/office/drawing/2010/main" xmlns="" w="9525">
                     <a:solidFill>
                       <a:srgbClr val="000000"/>
                     </a:solidFill>
@@ -10177,7 +10193,7 @@
               </a:ln>
               <a:extLst>
                 <a:ext uri="{91240B29-F687-4f45-9708-019B960494DF}">
-                  <a14:hiddenLine xmlns="" xmlns:a14="http://schemas.microsoft.com/office/drawing/2010/main" w="9525">
+                  <a14:hiddenLine xmlns:a14="http://schemas.microsoft.com/office/drawing/2010/main" xmlns="" w="9525">
                     <a:solidFill>
                       <a:srgbClr val="000000"/>
                     </a:solidFill>
@@ -10261,7 +10277,7 @@
               </a:ln>
               <a:extLst>
                 <a:ext uri="{91240B29-F687-4f45-9708-019B960494DF}">
-                  <a14:hiddenLine xmlns="" xmlns:a14="http://schemas.microsoft.com/office/drawing/2010/main" w="9525">
+                  <a14:hiddenLine xmlns:a14="http://schemas.microsoft.com/office/drawing/2010/main" xmlns="" w="9525">
                     <a:solidFill>
                       <a:srgbClr val="000000"/>
                     </a:solidFill>
@@ -10323,7 +10339,7 @@
               </a:ln>
               <a:extLst>
                 <a:ext uri="{91240B29-F687-4f45-9708-019B960494DF}">
-                  <a14:hiddenLine xmlns="" xmlns:a14="http://schemas.microsoft.com/office/drawing/2010/main" w="9525">
+                  <a14:hiddenLine xmlns:a14="http://schemas.microsoft.com/office/drawing/2010/main" xmlns="" w="9525">
                     <a:solidFill>
                       <a:srgbClr val="000000"/>
                     </a:solidFill>
@@ -10385,7 +10401,7 @@
               </a:ln>
               <a:extLst>
                 <a:ext uri="{91240B29-F687-4f45-9708-019B960494DF}">
-                  <a14:hiddenLine xmlns="" xmlns:a14="http://schemas.microsoft.com/office/drawing/2010/main" w="9525">
+                  <a14:hiddenLine xmlns:a14="http://schemas.microsoft.com/office/drawing/2010/main" xmlns="" w="9525">
                     <a:solidFill>
                       <a:srgbClr val="000000"/>
                     </a:solidFill>
@@ -10475,7 +10491,7 @@
               </a:ln>
               <a:extLst>
                 <a:ext uri="{91240B29-F687-4f45-9708-019B960494DF}">
-                  <a14:hiddenLine xmlns="" xmlns:a14="http://schemas.microsoft.com/office/drawing/2010/main" w="9525">
+                  <a14:hiddenLine xmlns:a14="http://schemas.microsoft.com/office/drawing/2010/main" xmlns="" w="9525">
                     <a:solidFill>
                       <a:srgbClr val="000000"/>
                     </a:solidFill>
@@ -10509,7 +10525,7 @@
               </a:ln>
               <a:extLst>
                 <a:ext uri="{91240B29-F687-4f45-9708-019B960494DF}">
-                  <a14:hiddenLine xmlns="" xmlns:a14="http://schemas.microsoft.com/office/drawing/2010/main" w="9525">
+                  <a14:hiddenLine xmlns:a14="http://schemas.microsoft.com/office/drawing/2010/main" xmlns="" w="9525">
                     <a:solidFill>
                       <a:srgbClr val="000000"/>
                     </a:solidFill>
@@ -10574,7 +10590,7 @@
               </a:ln>
               <a:extLst>
                 <a:ext uri="{91240B29-F687-4f45-9708-019B960494DF}">
-                  <a14:hiddenLine xmlns="" xmlns:a14="http://schemas.microsoft.com/office/drawing/2010/main" w="9525">
+                  <a14:hiddenLine xmlns:a14="http://schemas.microsoft.com/office/drawing/2010/main" xmlns="" w="9525">
                     <a:solidFill>
                       <a:srgbClr val="000000"/>
                     </a:solidFill>
@@ -10664,7 +10680,7 @@
               </a:ln>
               <a:extLst>
                 <a:ext uri="{91240B29-F687-4f45-9708-019B960494DF}">
-                  <a14:hiddenLine xmlns="" xmlns:a14="http://schemas.microsoft.com/office/drawing/2010/main" w="9525">
+                  <a14:hiddenLine xmlns:a14="http://schemas.microsoft.com/office/drawing/2010/main" xmlns="" w="9525">
                     <a:solidFill>
                       <a:srgbClr val="000000"/>
                     </a:solidFill>
@@ -10726,7 +10742,7 @@
               </a:ln>
               <a:extLst>
                 <a:ext uri="{91240B29-F687-4f45-9708-019B960494DF}">
-                  <a14:hiddenLine xmlns="" xmlns:a14="http://schemas.microsoft.com/office/drawing/2010/main" w="9525">
+                  <a14:hiddenLine xmlns:a14="http://schemas.microsoft.com/office/drawing/2010/main" xmlns="" w="9525">
                     <a:solidFill>
                       <a:srgbClr val="000000"/>
                     </a:solidFill>
@@ -10816,7 +10832,7 @@
               </a:ln>
               <a:extLst>
                 <a:ext uri="{91240B29-F687-4f45-9708-019B960494DF}">
-                  <a14:hiddenLine xmlns="" xmlns:a14="http://schemas.microsoft.com/office/drawing/2010/main" w="9525">
+                  <a14:hiddenLine xmlns:a14="http://schemas.microsoft.com/office/drawing/2010/main" xmlns="" w="9525">
                     <a:solidFill>
                       <a:srgbClr val="000000"/>
                     </a:solidFill>
@@ -10881,7 +10897,7 @@
               </a:ln>
               <a:extLst>
                 <a:ext uri="{91240B29-F687-4f45-9708-019B960494DF}">
-                  <a14:hiddenLine xmlns="" xmlns:a14="http://schemas.microsoft.com/office/drawing/2010/main" w="9525">
+                  <a14:hiddenLine xmlns:a14="http://schemas.microsoft.com/office/drawing/2010/main" xmlns="" w="9525">
                     <a:solidFill>
                       <a:srgbClr val="000000"/>
                     </a:solidFill>
@@ -10943,7 +10959,7 @@
               </a:ln>
               <a:extLst>
                 <a:ext uri="{91240B29-F687-4f45-9708-019B960494DF}">
-                  <a14:hiddenLine xmlns="" xmlns:a14="http://schemas.microsoft.com/office/drawing/2010/main" w="9525">
+                  <a14:hiddenLine xmlns:a14="http://schemas.microsoft.com/office/drawing/2010/main" xmlns="" w="9525">
                     <a:solidFill>
                       <a:srgbClr val="000000"/>
                     </a:solidFill>
@@ -11033,7 +11049,7 @@
               </a:ln>
               <a:extLst>
                 <a:ext uri="{91240B29-F687-4f45-9708-019B960494DF}">
-                  <a14:hiddenLine xmlns="" xmlns:a14="http://schemas.microsoft.com/office/drawing/2010/main" w="9525">
+                  <a14:hiddenLine xmlns:a14="http://schemas.microsoft.com/office/drawing/2010/main" xmlns="" w="9525">
                     <a:solidFill>
                       <a:srgbClr val="000000"/>
                     </a:solidFill>
@@ -11123,7 +11139,7 @@
               </a:ln>
               <a:extLst>
                 <a:ext uri="{91240B29-F687-4f45-9708-019B960494DF}">
-                  <a14:hiddenLine xmlns="" xmlns:a14="http://schemas.microsoft.com/office/drawing/2010/main" w="9525">
+                  <a14:hiddenLine xmlns:a14="http://schemas.microsoft.com/office/drawing/2010/main" xmlns="" w="9525">
                     <a:solidFill>
                       <a:srgbClr val="000000"/>
                     </a:solidFill>
@@ -11188,7 +11204,7 @@
               </a:ln>
               <a:extLst>
                 <a:ext uri="{91240B29-F687-4f45-9708-019B960494DF}">
-                  <a14:hiddenLine xmlns="" xmlns:a14="http://schemas.microsoft.com/office/drawing/2010/main" w="9525">
+                  <a14:hiddenLine xmlns:a14="http://schemas.microsoft.com/office/drawing/2010/main" xmlns="" w="9525">
                     <a:solidFill>
                       <a:srgbClr val="000000"/>
                     </a:solidFill>
@@ -11308,7 +11324,7 @@
               </a:ln>
               <a:extLst>
                 <a:ext uri="{91240B29-F687-4f45-9708-019B960494DF}">
-                  <a14:hiddenLine xmlns="" xmlns:a14="http://schemas.microsoft.com/office/drawing/2010/main" w="9525">
+                  <a14:hiddenLine xmlns:a14="http://schemas.microsoft.com/office/drawing/2010/main" xmlns="" w="9525">
                     <a:solidFill>
                       <a:srgbClr val="000000"/>
                     </a:solidFill>
@@ -11389,7 +11405,7 @@
               </a:ln>
               <a:extLst>
                 <a:ext uri="{91240B29-F687-4f45-9708-019B960494DF}">
-                  <a14:hiddenLine xmlns="" xmlns:a14="http://schemas.microsoft.com/office/drawing/2010/main" w="9525">
+                  <a14:hiddenLine xmlns:a14="http://schemas.microsoft.com/office/drawing/2010/main" xmlns="" w="9525">
                     <a:solidFill>
                       <a:srgbClr val="000000"/>
                     </a:solidFill>
@@ -11504,7 +11520,7 @@
               </a:ln>
               <a:extLst>
                 <a:ext uri="{91240B29-F687-4f45-9708-019B960494DF}">
-                  <a14:hiddenLine xmlns="" xmlns:a14="http://schemas.microsoft.com/office/drawing/2010/main" w="9525">
+                  <a14:hiddenLine xmlns:a14="http://schemas.microsoft.com/office/drawing/2010/main" xmlns="" w="9525">
                     <a:solidFill>
                       <a:srgbClr val="000000"/>
                     </a:solidFill>
@@ -11594,7 +11610,7 @@
               </a:ln>
               <a:extLst>
                 <a:ext uri="{91240B29-F687-4f45-9708-019B960494DF}">
-                  <a14:hiddenLine xmlns="" xmlns:a14="http://schemas.microsoft.com/office/drawing/2010/main" w="9525">
+                  <a14:hiddenLine xmlns:a14="http://schemas.microsoft.com/office/drawing/2010/main" xmlns="" w="9525">
                     <a:solidFill>
                       <a:srgbClr val="000000"/>
                     </a:solidFill>
@@ -11659,7 +11675,7 @@
               </a:ln>
               <a:extLst>
                 <a:ext uri="{91240B29-F687-4f45-9708-019B960494DF}">
-                  <a14:hiddenLine xmlns="" xmlns:a14="http://schemas.microsoft.com/office/drawing/2010/main" w="9525">
+                  <a14:hiddenLine xmlns:a14="http://schemas.microsoft.com/office/drawing/2010/main" xmlns="" w="9525">
                     <a:solidFill>
                       <a:srgbClr val="000000"/>
                     </a:solidFill>
@@ -11749,7 +11765,7 @@
               </a:ln>
               <a:extLst>
                 <a:ext uri="{91240B29-F687-4f45-9708-019B960494DF}">
-                  <a14:hiddenLine xmlns="" xmlns:a14="http://schemas.microsoft.com/office/drawing/2010/main" w="9525">
+                  <a14:hiddenLine xmlns:a14="http://schemas.microsoft.com/office/drawing/2010/main" xmlns="" w="9525">
                     <a:solidFill>
                       <a:srgbClr val="000000"/>
                     </a:solidFill>
@@ -11817,7 +11833,7 @@
               </a:ln>
               <a:extLst>
                 <a:ext uri="{91240B29-F687-4f45-9708-019B960494DF}">
-                  <a14:hiddenLine xmlns="" xmlns:a14="http://schemas.microsoft.com/office/drawing/2010/main" w="9525">
+                  <a14:hiddenLine xmlns:a14="http://schemas.microsoft.com/office/drawing/2010/main" xmlns="" w="9525">
                     <a:solidFill>
                       <a:srgbClr val="000000"/>
                     </a:solidFill>
@@ -11907,7 +11923,7 @@
               </a:ln>
               <a:extLst>
                 <a:ext uri="{91240B29-F687-4f45-9708-019B960494DF}">
-                  <a14:hiddenLine xmlns="" xmlns:a14="http://schemas.microsoft.com/office/drawing/2010/main" w="9525">
+                  <a14:hiddenLine xmlns:a14="http://schemas.microsoft.com/office/drawing/2010/main" xmlns="" w="9525">
                     <a:solidFill>
                       <a:srgbClr val="000000"/>
                     </a:solidFill>
@@ -11975,7 +11991,7 @@
               </a:ln>
               <a:extLst>
                 <a:ext uri="{91240B29-F687-4f45-9708-019B960494DF}">
-                  <a14:hiddenLine xmlns="" xmlns:a14="http://schemas.microsoft.com/office/drawing/2010/main" w="9525">
+                  <a14:hiddenLine xmlns:a14="http://schemas.microsoft.com/office/drawing/2010/main" xmlns="" w="9525">
                     <a:solidFill>
                       <a:srgbClr val="000000"/>
                     </a:solidFill>
@@ -12065,7 +12081,7 @@
               </a:ln>
               <a:extLst>
                 <a:ext uri="{91240B29-F687-4f45-9708-019B960494DF}">
-                  <a14:hiddenLine xmlns="" xmlns:a14="http://schemas.microsoft.com/office/drawing/2010/main" w="9525">
+                  <a14:hiddenLine xmlns:a14="http://schemas.microsoft.com/office/drawing/2010/main" xmlns="" w="9525">
                     <a:solidFill>
                       <a:srgbClr val="000000"/>
                     </a:solidFill>
@@ -12099,7 +12115,7 @@
               </a:ln>
               <a:extLst>
                 <a:ext uri="{91240B29-F687-4f45-9708-019B960494DF}">
-                  <a14:hiddenLine xmlns="" xmlns:a14="http://schemas.microsoft.com/office/drawing/2010/main" w="9525">
+                  <a14:hiddenLine xmlns:a14="http://schemas.microsoft.com/office/drawing/2010/main" xmlns="" w="9525">
                     <a:solidFill>
                       <a:srgbClr val="000000"/>
                     </a:solidFill>
@@ -12720,30 +12736,11 @@
             <a:r>
               <a:rPr lang="en-US" sz="3600" dirty="0">
                 <a:solidFill>
-                  <a:schemeClr val="accent2">
-                    <a:lumMod val="75000"/>
-                  </a:schemeClr>
+                  <a:srgbClr val="0070C0"/>
                 </a:solidFill>
               </a:rPr>
-              <a:t>Can Machine Learning be used to predict S&amp;P returns  Using historical Commodity </a:t>
-            </a:r>
-            <a:r>
-              <a:rPr lang="en-US" sz="3600">
-                <a:solidFill>
-                  <a:schemeClr val="accent2">
-                    <a:lumMod val="75000"/>
-                  </a:schemeClr>
-                </a:solidFill>
-              </a:rPr>
-              <a:t>returns Data ?</a:t>
-            </a:r>
-            <a:endParaRPr lang="en-US" sz="3600" dirty="0">
-              <a:solidFill>
-                <a:schemeClr val="accent2">
-                  <a:lumMod val="75000"/>
-                </a:schemeClr>
-              </a:solidFill>
-            </a:endParaRPr>
+              <a:t>Can Machine Learning be used to predict S&amp;P returns  Using historical Commodity returns Data ?</a:t>
+            </a:r>
           </a:p>
         </p:txBody>
       </p:sp>
@@ -12779,9 +12776,7 @@
             <a:r>
               <a:rPr lang="en-US" sz="2400" dirty="0" err="1">
                 <a:solidFill>
-                  <a:schemeClr val="accent2">
-                    <a:lumMod val="75000"/>
-                  </a:schemeClr>
+                  <a:srgbClr val="0070C0"/>
                 </a:solidFill>
               </a:rPr>
               <a:t>knn</a:t>
@@ -12789,9 +12784,7 @@
             <a:r>
               <a:rPr lang="en-US" sz="2400" dirty="0">
                 <a:solidFill>
-                  <a:schemeClr val="accent2">
-                    <a:lumMod val="75000"/>
-                  </a:schemeClr>
+                  <a:srgbClr val="0070C0"/>
                 </a:solidFill>
               </a:rPr>
               <a:t> </a:t>
@@ -12799,9 +12792,7 @@
             <a:r>
               <a:rPr lang="en-US" sz="2400" dirty="0" err="1">
                 <a:solidFill>
-                  <a:schemeClr val="accent2">
-                    <a:lumMod val="75000"/>
-                  </a:schemeClr>
+                  <a:srgbClr val="0070C0"/>
                 </a:solidFill>
               </a:rPr>
               <a:t>classifaction</a:t>
@@ -12809,9 +12800,7 @@
             <a:r>
               <a:rPr lang="en-US" sz="2400" dirty="0">
                 <a:solidFill>
-                  <a:schemeClr val="accent2">
-                    <a:lumMod val="75000"/>
-                  </a:schemeClr>
+                  <a:srgbClr val="0070C0"/>
                 </a:solidFill>
               </a:rPr>
               <a:t> model</a:t>
@@ -13906,7 +13895,7 @@
                   </a:schemeClr>
                 </a:solidFill>
               </a:rPr>
-              <a:t>Train had 3,641 rows and Testing had1,027 rows.</a:t>
+              <a:t>Train had 3,641 rows and Testing had 1,027 rows.</a:t>
             </a:r>
             <a:endParaRPr lang="en-US" dirty="0">
               <a:solidFill>
@@ -15310,7 +15299,7 @@
         </p:nvSpPr>
         <p:spPr>
           <a:xfrm>
-            <a:off x="8548126" y="1828472"/>
+            <a:off x="8468075" y="1331960"/>
             <a:ext cx="2347039" cy="3170099"/>
           </a:xfrm>
           <a:prstGeom prst="rect">
@@ -15442,36 +15431,6 @@
           <a:xfrm>
             <a:off x="1256317" y="1800154"/>
             <a:ext cx="4838095" cy="3248015"/>
-          </a:xfrm>
-          <a:prstGeom prst="rect">
-            <a:avLst/>
-          </a:prstGeom>
-        </p:spPr>
-      </p:pic>
-      <p:pic>
-        <p:nvPicPr>
-          <p:cNvPr id="8" name="Picture 7">
-            <a:extLst>
-              <a:ext uri="{FF2B5EF4-FFF2-40B4-BE49-F238E27FC236}">
-                <a16:creationId xmlns:a16="http://schemas.microsoft.com/office/drawing/2014/main" id="{7D2765E0-7D3D-4684-921E-3027B275708A}"/>
-              </a:ext>
-            </a:extLst>
-          </p:cNvPr>
-          <p:cNvPicPr>
-            <a:picLocks noChangeAspect="1"/>
-          </p:cNvPicPr>
-          <p:nvPr/>
-        </p:nvPicPr>
-        <p:blipFill>
-          <a:blip r:embed="rId3"/>
-          <a:stretch>
-            <a:fillRect/>
-          </a:stretch>
-        </p:blipFill>
-        <p:spPr>
-          <a:xfrm>
-            <a:off x="6338326" y="3413521"/>
-            <a:ext cx="1752600" cy="1619250"/>
           </a:xfrm>
           <a:prstGeom prst="rect">
             <a:avLst/>
@@ -15563,7 +15522,7 @@
           <p:nvPr/>
         </p:nvPicPr>
         <p:blipFill>
-          <a:blip r:embed="rId4"/>
+          <a:blip r:embed="rId3"/>
           <a:stretch>
             <a:fillRect/>
           </a:stretch>
@@ -15572,6 +15531,36 @@
           <a:xfrm>
             <a:off x="3957650" y="2136300"/>
             <a:ext cx="1504950" cy="171450"/>
+          </a:xfrm>
+          <a:prstGeom prst="rect">
+            <a:avLst/>
+          </a:prstGeom>
+        </p:spPr>
+      </p:pic>
+      <p:pic>
+        <p:nvPicPr>
+          <p:cNvPr id="7" name="Picture 6">
+            <a:extLst>
+              <a:ext uri="{FF2B5EF4-FFF2-40B4-BE49-F238E27FC236}">
+                <a16:creationId xmlns:a16="http://schemas.microsoft.com/office/drawing/2014/main" id="{A4436ED5-443F-415E-B964-6A8097BC595A}"/>
+              </a:ext>
+            </a:extLst>
+          </p:cNvPr>
+          <p:cNvPicPr>
+            <a:picLocks noChangeAspect="1"/>
+          </p:cNvPicPr>
+          <p:nvPr/>
+        </p:nvPicPr>
+        <p:blipFill>
+          <a:blip r:embed="rId4"/>
+          <a:stretch>
+            <a:fillRect/>
+          </a:stretch>
+        </p:blipFill>
+        <p:spPr>
+          <a:xfrm>
+            <a:off x="6291938" y="3784611"/>
+            <a:ext cx="4191000" cy="1295400"/>
           </a:xfrm>
           <a:prstGeom prst="rect">
             <a:avLst/>

--- a/Dev/Bruce/Bruce_Slides.pptx
+++ b/Dev/Bruce/Bruce_Slides.pptx
@@ -125,7 +125,7 @@
 <file path=ppt/revisionInfo.xml><?xml version="1.0" encoding="utf-8"?>
 <p1510:revInfo xmlns:a="http://schemas.openxmlformats.org/drawingml/2006/main" xmlns:r="http://schemas.openxmlformats.org/officeDocument/2006/relationships" xmlns:p1510="http://schemas.microsoft.com/office/powerpoint/2015/10/main">
   <p1510:revLst>
-    <p1510:client id="{AC789E22-8409-49D6-971C-20C6B424FF08}" v="11" dt="2020-07-25T11:22:44.886"/>
+    <p1510:client id="{AC789E22-8409-49D6-971C-20C6B424FF08}" v="12" dt="2020-07-25T11:55:08.306"/>
   </p1510:revLst>
 </p1510:revInfo>
 </file>
@@ -135,7 +135,7 @@
   <pc:docChgLst>
     <pc:chgData name="Bruce Mark" userId="816b9cc1b8e7bb9c" providerId="LiveId" clId="{AC789E22-8409-49D6-971C-20C6B424FF08}"/>
     <pc:docChg chg="undo custSel addSld delSld modSld sldOrd">
-      <pc:chgData name="Bruce Mark" userId="816b9cc1b8e7bb9c" providerId="LiveId" clId="{AC789E22-8409-49D6-971C-20C6B424FF08}" dt="2020-07-25T11:23:27.709" v="739" actId="21"/>
+      <pc:chgData name="Bruce Mark" userId="816b9cc1b8e7bb9c" providerId="LiveId" clId="{AC789E22-8409-49D6-971C-20C6B424FF08}" dt="2020-07-25T12:20:03.084" v="1067" actId="14100"/>
       <pc:docMkLst>
         <pc:docMk/>
       </pc:docMkLst>
@@ -170,13 +170,13 @@
         </pc:sldMkLst>
       </pc:sldChg>
       <pc:sldChg chg="modSp mod">
-        <pc:chgData name="Bruce Mark" userId="816b9cc1b8e7bb9c" providerId="LiveId" clId="{AC789E22-8409-49D6-971C-20C6B424FF08}" dt="2020-07-25T00:48:22.908" v="726" actId="20577"/>
+        <pc:chgData name="Bruce Mark" userId="816b9cc1b8e7bb9c" providerId="LiveId" clId="{AC789E22-8409-49D6-971C-20C6B424FF08}" dt="2020-07-25T11:38:48.397" v="753" actId="20577"/>
         <pc:sldMkLst>
           <pc:docMk/>
           <pc:sldMk cId="1795393081" sldId="258"/>
         </pc:sldMkLst>
         <pc:spChg chg="mod">
-          <ac:chgData name="Bruce Mark" userId="816b9cc1b8e7bb9c" providerId="LiveId" clId="{AC789E22-8409-49D6-971C-20C6B424FF08}" dt="2020-07-25T00:48:22.908" v="726" actId="20577"/>
+          <ac:chgData name="Bruce Mark" userId="816b9cc1b8e7bb9c" providerId="LiveId" clId="{AC789E22-8409-49D6-971C-20C6B424FF08}" dt="2020-07-25T11:38:48.397" v="753" actId="20577"/>
           <ac:spMkLst>
             <pc:docMk/>
             <pc:sldMk cId="1795393081" sldId="258"/>
@@ -258,8 +258,8 @@
           <pc:sldMk cId="1459129706" sldId="265"/>
         </pc:sldMkLst>
       </pc:sldChg>
-      <pc:sldChg chg="addSp delSp modSp mod">
-        <pc:chgData name="Bruce Mark" userId="816b9cc1b8e7bb9c" providerId="LiveId" clId="{AC789E22-8409-49D6-971C-20C6B424FF08}" dt="2020-07-24T22:15:29.390" v="255" actId="1076"/>
+      <pc:sldChg chg="addSp delSp modSp mod ord">
+        <pc:chgData name="Bruce Mark" userId="816b9cc1b8e7bb9c" providerId="LiveId" clId="{AC789E22-8409-49D6-971C-20C6B424FF08}" dt="2020-07-25T11:47:14.683" v="755"/>
         <pc:sldMkLst>
           <pc:docMk/>
           <pc:sldMk cId="3152759760" sldId="266"/>
@@ -304,13 +304,13 @@
         </pc:sldMkLst>
       </pc:sldChg>
       <pc:sldChg chg="addSp delSp modSp mod">
-        <pc:chgData name="Bruce Mark" userId="816b9cc1b8e7bb9c" providerId="LiveId" clId="{AC789E22-8409-49D6-971C-20C6B424FF08}" dt="2020-07-25T11:23:27.709" v="739" actId="21"/>
+        <pc:chgData name="Bruce Mark" userId="816b9cc1b8e7bb9c" providerId="LiveId" clId="{AC789E22-8409-49D6-971C-20C6B424FF08}" dt="2020-07-25T12:20:03.084" v="1067" actId="14100"/>
         <pc:sldMkLst>
           <pc:docMk/>
           <pc:sldMk cId="1481805281" sldId="269"/>
         </pc:sldMkLst>
         <pc:spChg chg="mod">
-          <ac:chgData name="Bruce Mark" userId="816b9cc1b8e7bb9c" providerId="LiveId" clId="{AC789E22-8409-49D6-971C-20C6B424FF08}" dt="2020-07-24T22:00:36.015" v="199" actId="20577"/>
+          <ac:chgData name="Bruce Mark" userId="816b9cc1b8e7bb9c" providerId="LiveId" clId="{AC789E22-8409-49D6-971C-20C6B424FF08}" dt="2020-07-25T11:30:52.765" v="745" actId="20577"/>
           <ac:spMkLst>
             <pc:docMk/>
             <pc:sldMk cId="1481805281" sldId="269"/>
@@ -323,6 +323,14 @@
             <pc:docMk/>
             <pc:sldMk cId="1481805281" sldId="269"/>
             <ac:spMk id="5" creationId="{78F8A06F-C846-4811-B309-D744A442F491}"/>
+          </ac:spMkLst>
+        </pc:spChg>
+        <pc:spChg chg="mod">
+          <ac:chgData name="Bruce Mark" userId="816b9cc1b8e7bb9c" providerId="LiveId" clId="{AC789E22-8409-49D6-971C-20C6B424FF08}" dt="2020-07-25T12:20:03.084" v="1067" actId="14100"/>
+          <ac:spMkLst>
+            <pc:docMk/>
+            <pc:sldMk cId="1481805281" sldId="269"/>
+            <ac:spMk id="12" creationId="{12AC2826-64AC-471D-B60F-97C075FEA770}"/>
           </ac:spMkLst>
         </pc:spChg>
         <pc:spChg chg="mod">
@@ -341,8 +349,8 @@
             <ac:picMk id="4" creationId="{0ECB5741-1572-4280-8745-B84BB9426B49}"/>
           </ac:picMkLst>
         </pc:picChg>
-        <pc:picChg chg="add mod">
-          <ac:chgData name="Bruce Mark" userId="816b9cc1b8e7bb9c" providerId="LiveId" clId="{AC789E22-8409-49D6-971C-20C6B424FF08}" dt="2020-07-25T11:23:23.962" v="737" actId="1076"/>
+        <pc:picChg chg="add del mod">
+          <ac:chgData name="Bruce Mark" userId="816b9cc1b8e7bb9c" providerId="LiveId" clId="{AC789E22-8409-49D6-971C-20C6B424FF08}" dt="2020-07-25T11:52:13.396" v="756" actId="21"/>
           <ac:picMkLst>
             <pc:docMk/>
             <pc:sldMk cId="1481805281" sldId="269"/>
@@ -355,6 +363,14 @@
             <pc:docMk/>
             <pc:sldMk cId="1481805281" sldId="269"/>
             <ac:picMk id="8" creationId="{7D2765E0-7D3D-4684-921E-3027B275708A}"/>
+          </ac:picMkLst>
+        </pc:picChg>
+        <pc:picChg chg="add mod">
+          <ac:chgData name="Bruce Mark" userId="816b9cc1b8e7bb9c" providerId="LiveId" clId="{AC789E22-8409-49D6-971C-20C6B424FF08}" dt="2020-07-25T11:55:10.955" v="758" actId="1076"/>
+          <ac:picMkLst>
+            <pc:docMk/>
+            <pc:sldMk cId="1481805281" sldId="269"/>
+            <ac:picMk id="8" creationId="{9665478C-7997-435C-904D-6FD9DE229314}"/>
           </ac:picMkLst>
         </pc:picChg>
         <pc:picChg chg="mod">
@@ -497,7 +513,7 @@
           <a:noFill/>
           <a:extLst>
             <a:ext uri="{909E8E84-426E-40dd-AFC4-6F175D3DCCD1}">
-              <a14:hiddenFill xmlns:a14="http://schemas.microsoft.com/office/drawing/2010/main" xmlns="">
+              <a14:hiddenFill xmlns="" xmlns:a14="http://schemas.microsoft.com/office/drawing/2010/main">
                 <a:solidFill>
                   <a:srgbClr val="FFFFFF"/>
                 </a:solidFill>
@@ -556,7 +572,7 @@
             </a:ln>
             <a:extLst>
               <a:ext uri="{91240B29-F687-4f45-9708-019B960494DF}">
-                <a14:hiddenLine xmlns:a14="http://schemas.microsoft.com/office/drawing/2010/main" xmlns="" w="9525">
+                <a14:hiddenLine xmlns="" xmlns:a14="http://schemas.microsoft.com/office/drawing/2010/main" w="9525">
                   <a:solidFill>
                     <a:srgbClr val="000000"/>
                   </a:solidFill>
@@ -646,7 +662,7 @@
             </a:ln>
             <a:extLst>
               <a:ext uri="{91240B29-F687-4f45-9708-019B960494DF}">
-                <a14:hiddenLine xmlns:a14="http://schemas.microsoft.com/office/drawing/2010/main" xmlns="" w="9525">
+                <a14:hiddenLine xmlns="" xmlns:a14="http://schemas.microsoft.com/office/drawing/2010/main" w="9525">
                   <a:solidFill>
                     <a:srgbClr val="000000"/>
                   </a:solidFill>
@@ -736,7 +752,7 @@
             </a:ln>
             <a:extLst>
               <a:ext uri="{91240B29-F687-4f45-9708-019B960494DF}">
-                <a14:hiddenLine xmlns:a14="http://schemas.microsoft.com/office/drawing/2010/main" xmlns="" w="9525">
+                <a14:hiddenLine xmlns="" xmlns:a14="http://schemas.microsoft.com/office/drawing/2010/main" w="9525">
                   <a:solidFill>
                     <a:srgbClr val="000000"/>
                   </a:solidFill>
@@ -770,7 +786,7 @@
             </a:ln>
             <a:extLst>
               <a:ext uri="{91240B29-F687-4f45-9708-019B960494DF}">
-                <a14:hiddenLine xmlns:a14="http://schemas.microsoft.com/office/drawing/2010/main" xmlns="" w="9525">
+                <a14:hiddenLine xmlns="" xmlns:a14="http://schemas.microsoft.com/office/drawing/2010/main" w="9525">
                   <a:solidFill>
                     <a:srgbClr val="000000"/>
                   </a:solidFill>
@@ -860,7 +876,7 @@
             </a:ln>
             <a:extLst>
               <a:ext uri="{91240B29-F687-4f45-9708-019B960494DF}">
-                <a14:hiddenLine xmlns:a14="http://schemas.microsoft.com/office/drawing/2010/main" xmlns="" w="9525">
+                <a14:hiddenLine xmlns="" xmlns:a14="http://schemas.microsoft.com/office/drawing/2010/main" w="9525">
                   <a:solidFill>
                     <a:srgbClr val="000000"/>
                   </a:solidFill>
@@ -922,7 +938,7 @@
             </a:ln>
             <a:extLst>
               <a:ext uri="{91240B29-F687-4f45-9708-019B960494DF}">
-                <a14:hiddenLine xmlns:a14="http://schemas.microsoft.com/office/drawing/2010/main" xmlns="" w="9525">
+                <a14:hiddenLine xmlns="" xmlns:a14="http://schemas.microsoft.com/office/drawing/2010/main" w="9525">
                   <a:solidFill>
                     <a:srgbClr val="000000"/>
                   </a:solidFill>
@@ -984,7 +1000,7 @@
             </a:ln>
             <a:extLst>
               <a:ext uri="{91240B29-F687-4f45-9708-019B960494DF}">
-                <a14:hiddenLine xmlns:a14="http://schemas.microsoft.com/office/drawing/2010/main" xmlns="" w="9525">
+                <a14:hiddenLine xmlns="" xmlns:a14="http://schemas.microsoft.com/office/drawing/2010/main" w="9525">
                   <a:solidFill>
                     <a:srgbClr val="000000"/>
                   </a:solidFill>
@@ -1074,7 +1090,7 @@
             </a:ln>
             <a:extLst>
               <a:ext uri="{91240B29-F687-4f45-9708-019B960494DF}">
-                <a14:hiddenLine xmlns:a14="http://schemas.microsoft.com/office/drawing/2010/main" xmlns="" w="9525">
+                <a14:hiddenLine xmlns="" xmlns:a14="http://schemas.microsoft.com/office/drawing/2010/main" w="9525">
                   <a:solidFill>
                     <a:srgbClr val="000000"/>
                   </a:solidFill>
@@ -1136,7 +1152,7 @@
             </a:ln>
             <a:extLst>
               <a:ext uri="{91240B29-F687-4f45-9708-019B960494DF}">
-                <a14:hiddenLine xmlns:a14="http://schemas.microsoft.com/office/drawing/2010/main" xmlns="" w="9525">
+                <a14:hiddenLine xmlns="" xmlns:a14="http://schemas.microsoft.com/office/drawing/2010/main" w="9525">
                   <a:solidFill>
                     <a:srgbClr val="000000"/>
                   </a:solidFill>
@@ -1198,7 +1214,7 @@
             </a:ln>
             <a:extLst>
               <a:ext uri="{91240B29-F687-4f45-9708-019B960494DF}">
-                <a14:hiddenLine xmlns:a14="http://schemas.microsoft.com/office/drawing/2010/main" xmlns="" w="9525">
+                <a14:hiddenLine xmlns="" xmlns:a14="http://schemas.microsoft.com/office/drawing/2010/main" w="9525">
                   <a:solidFill>
                     <a:srgbClr val="000000"/>
                   </a:solidFill>
@@ -1288,7 +1304,7 @@
             </a:ln>
             <a:extLst>
               <a:ext uri="{91240B29-F687-4f45-9708-019B960494DF}">
-                <a14:hiddenLine xmlns:a14="http://schemas.microsoft.com/office/drawing/2010/main" xmlns="" w="9525">
+                <a14:hiddenLine xmlns="" xmlns:a14="http://schemas.microsoft.com/office/drawing/2010/main" w="9525">
                   <a:solidFill>
                     <a:srgbClr val="000000"/>
                   </a:solidFill>
@@ -1378,7 +1394,7 @@
             </a:ln>
             <a:extLst>
               <a:ext uri="{91240B29-F687-4f45-9708-019B960494DF}">
-                <a14:hiddenLine xmlns:a14="http://schemas.microsoft.com/office/drawing/2010/main" xmlns="" w="9525">
+                <a14:hiddenLine xmlns="" xmlns:a14="http://schemas.microsoft.com/office/drawing/2010/main" w="9525">
                   <a:solidFill>
                     <a:srgbClr val="000000"/>
                   </a:solidFill>
@@ -1440,7 +1456,7 @@
             </a:ln>
             <a:extLst>
               <a:ext uri="{91240B29-F687-4f45-9708-019B960494DF}">
-                <a14:hiddenLine xmlns:a14="http://schemas.microsoft.com/office/drawing/2010/main" xmlns="" w="9525">
+                <a14:hiddenLine xmlns="" xmlns:a14="http://schemas.microsoft.com/office/drawing/2010/main" w="9525">
                   <a:solidFill>
                     <a:srgbClr val="000000"/>
                   </a:solidFill>
@@ -1550,7 +1566,7 @@
             </a:ln>
             <a:extLst>
               <a:ext uri="{91240B29-F687-4f45-9708-019B960494DF}">
-                <a14:hiddenLine xmlns:a14="http://schemas.microsoft.com/office/drawing/2010/main" xmlns="" w="9525">
+                <a14:hiddenLine xmlns="" xmlns:a14="http://schemas.microsoft.com/office/drawing/2010/main" w="9525">
                   <a:solidFill>
                     <a:srgbClr val="000000"/>
                   </a:solidFill>
@@ -1612,7 +1628,7 @@
             </a:ln>
             <a:extLst>
               <a:ext uri="{91240B29-F687-4f45-9708-019B960494DF}">
-                <a14:hiddenLine xmlns:a14="http://schemas.microsoft.com/office/drawing/2010/main" xmlns="" w="9525">
+                <a14:hiddenLine xmlns="" xmlns:a14="http://schemas.microsoft.com/office/drawing/2010/main" w="9525">
                   <a:solidFill>
                     <a:srgbClr val="000000"/>
                   </a:solidFill>
@@ -1702,7 +1718,7 @@
             </a:ln>
             <a:extLst>
               <a:ext uri="{91240B29-F687-4f45-9708-019B960494DF}">
-                <a14:hiddenLine xmlns:a14="http://schemas.microsoft.com/office/drawing/2010/main" xmlns="" w="9525">
+                <a14:hiddenLine xmlns="" xmlns:a14="http://schemas.microsoft.com/office/drawing/2010/main" w="9525">
                   <a:solidFill>
                     <a:srgbClr val="000000"/>
                   </a:solidFill>
@@ -1792,7 +1808,7 @@
             </a:ln>
             <a:extLst>
               <a:ext uri="{91240B29-F687-4f45-9708-019B960494DF}">
-                <a14:hiddenLine xmlns:a14="http://schemas.microsoft.com/office/drawing/2010/main" xmlns="" w="9525">
+                <a14:hiddenLine xmlns="" xmlns:a14="http://schemas.microsoft.com/office/drawing/2010/main" w="9525">
                   <a:solidFill>
                     <a:srgbClr val="000000"/>
                   </a:solidFill>
@@ -1854,7 +1870,7 @@
             </a:ln>
             <a:extLst>
               <a:ext uri="{91240B29-F687-4f45-9708-019B960494DF}">
-                <a14:hiddenLine xmlns:a14="http://schemas.microsoft.com/office/drawing/2010/main" xmlns="" w="9525">
+                <a14:hiddenLine xmlns="" xmlns:a14="http://schemas.microsoft.com/office/drawing/2010/main" w="9525">
                   <a:solidFill>
                     <a:srgbClr val="000000"/>
                   </a:solidFill>
@@ -1944,7 +1960,7 @@
             </a:ln>
             <a:extLst>
               <a:ext uri="{91240B29-F687-4f45-9708-019B960494DF}">
-                <a14:hiddenLine xmlns:a14="http://schemas.microsoft.com/office/drawing/2010/main" xmlns="" w="9525">
+                <a14:hiddenLine xmlns="" xmlns:a14="http://schemas.microsoft.com/office/drawing/2010/main" w="9525">
                   <a:solidFill>
                     <a:srgbClr val="000000"/>
                   </a:solidFill>
@@ -2034,7 +2050,7 @@
             </a:ln>
             <a:extLst>
               <a:ext uri="{91240B29-F687-4f45-9708-019B960494DF}">
-                <a14:hiddenLine xmlns:a14="http://schemas.microsoft.com/office/drawing/2010/main" xmlns="" w="9525">
+                <a14:hiddenLine xmlns="" xmlns:a14="http://schemas.microsoft.com/office/drawing/2010/main" w="9525">
                   <a:solidFill>
                     <a:srgbClr val="000000"/>
                   </a:solidFill>
@@ -2090,7 +2106,7 @@
             </a:ln>
             <a:extLst>
               <a:ext uri="{91240B29-F687-4f45-9708-019B960494DF}">
-                <a14:hiddenLine xmlns:a14="http://schemas.microsoft.com/office/drawing/2010/main" xmlns="" w="9525">
+                <a14:hiddenLine xmlns="" xmlns:a14="http://schemas.microsoft.com/office/drawing/2010/main" w="9525">
                   <a:solidFill>
                     <a:srgbClr val="000000"/>
                   </a:solidFill>
@@ -2180,7 +2196,7 @@
             </a:ln>
             <a:extLst>
               <a:ext uri="{91240B29-F687-4f45-9708-019B960494DF}">
-                <a14:hiddenLine xmlns:a14="http://schemas.microsoft.com/office/drawing/2010/main" xmlns="" w="9525">
+                <a14:hiddenLine xmlns="" xmlns:a14="http://schemas.microsoft.com/office/drawing/2010/main" w="9525">
                   <a:solidFill>
                     <a:srgbClr val="000000"/>
                   </a:solidFill>
@@ -2236,7 +2252,7 @@
             </a:ln>
             <a:extLst>
               <a:ext uri="{91240B29-F687-4f45-9708-019B960494DF}">
-                <a14:hiddenLine xmlns:a14="http://schemas.microsoft.com/office/drawing/2010/main" xmlns="" w="9525">
+                <a14:hiddenLine xmlns="" xmlns:a14="http://schemas.microsoft.com/office/drawing/2010/main" w="9525">
                   <a:solidFill>
                     <a:srgbClr val="000000"/>
                   </a:solidFill>
@@ -2326,7 +2342,7 @@
             </a:ln>
             <a:extLst>
               <a:ext uri="{91240B29-F687-4f45-9708-019B960494DF}">
-                <a14:hiddenLine xmlns:a14="http://schemas.microsoft.com/office/drawing/2010/main" xmlns="" w="9525">
+                <a14:hiddenLine xmlns="" xmlns:a14="http://schemas.microsoft.com/office/drawing/2010/main" w="9525">
                   <a:solidFill>
                     <a:srgbClr val="000000"/>
                   </a:solidFill>
@@ -2394,7 +2410,7 @@
             </a:ln>
             <a:extLst>
               <a:ext uri="{91240B29-F687-4f45-9708-019B960494DF}">
-                <a14:hiddenLine xmlns:a14="http://schemas.microsoft.com/office/drawing/2010/main" xmlns="" w="9525">
+                <a14:hiddenLine xmlns="" xmlns:a14="http://schemas.microsoft.com/office/drawing/2010/main" w="9525">
                   <a:solidFill>
                     <a:srgbClr val="000000"/>
                   </a:solidFill>
@@ -2484,7 +2500,7 @@
             </a:ln>
             <a:extLst>
               <a:ext uri="{91240B29-F687-4f45-9708-019B960494DF}">
-                <a14:hiddenLine xmlns:a14="http://schemas.microsoft.com/office/drawing/2010/main" xmlns="" w="9525">
+                <a14:hiddenLine xmlns="" xmlns:a14="http://schemas.microsoft.com/office/drawing/2010/main" w="9525">
                   <a:solidFill>
                     <a:srgbClr val="000000"/>
                   </a:solidFill>
@@ -2552,7 +2568,7 @@
             </a:ln>
             <a:extLst>
               <a:ext uri="{91240B29-F687-4f45-9708-019B960494DF}">
-                <a14:hiddenLine xmlns:a14="http://schemas.microsoft.com/office/drawing/2010/main" xmlns="" w="9525">
+                <a14:hiddenLine xmlns="" xmlns:a14="http://schemas.microsoft.com/office/drawing/2010/main" w="9525">
                   <a:solidFill>
                     <a:srgbClr val="000000"/>
                   </a:solidFill>
@@ -2642,7 +2658,7 @@
             </a:ln>
             <a:extLst>
               <a:ext uri="{91240B29-F687-4f45-9708-019B960494DF}">
-                <a14:hiddenLine xmlns:a14="http://schemas.microsoft.com/office/drawing/2010/main" xmlns="" w="9525">
+                <a14:hiddenLine xmlns="" xmlns:a14="http://schemas.microsoft.com/office/drawing/2010/main" w="9525">
                   <a:solidFill>
                     <a:srgbClr val="000000"/>
                   </a:solidFill>
@@ -2676,7 +2692,7 @@
             </a:ln>
             <a:extLst>
               <a:ext uri="{91240B29-F687-4f45-9708-019B960494DF}">
-                <a14:hiddenLine xmlns:a14="http://schemas.microsoft.com/office/drawing/2010/main" xmlns="" w="9525">
+                <a14:hiddenLine xmlns="" xmlns:a14="http://schemas.microsoft.com/office/drawing/2010/main" w="9525">
                   <a:solidFill>
                     <a:srgbClr val="000000"/>
                   </a:solidFill>
@@ -2766,7 +2782,7 @@
             </a:ln>
             <a:extLst>
               <a:ext uri="{91240B29-F687-4f45-9708-019B960494DF}">
-                <a14:hiddenLine xmlns:a14="http://schemas.microsoft.com/office/drawing/2010/main" xmlns="" w="9525">
+                <a14:hiddenLine xmlns="" xmlns:a14="http://schemas.microsoft.com/office/drawing/2010/main" w="9525">
                   <a:solidFill>
                     <a:srgbClr val="000000"/>
                   </a:solidFill>
@@ -2828,7 +2844,7 @@
             </a:ln>
             <a:extLst>
               <a:ext uri="{91240B29-F687-4f45-9708-019B960494DF}">
-                <a14:hiddenLine xmlns:a14="http://schemas.microsoft.com/office/drawing/2010/main" xmlns="" w="9525">
+                <a14:hiddenLine xmlns="" xmlns:a14="http://schemas.microsoft.com/office/drawing/2010/main" w="9525">
                   <a:solidFill>
                     <a:srgbClr val="000000"/>
                   </a:solidFill>
@@ -2890,7 +2906,7 @@
             </a:ln>
             <a:extLst>
               <a:ext uri="{91240B29-F687-4f45-9708-019B960494DF}">
-                <a14:hiddenLine xmlns:a14="http://schemas.microsoft.com/office/drawing/2010/main" xmlns="" w="9525">
+                <a14:hiddenLine xmlns="" xmlns:a14="http://schemas.microsoft.com/office/drawing/2010/main" w="9525">
                   <a:solidFill>
                     <a:srgbClr val="000000"/>
                   </a:solidFill>
@@ -2980,7 +2996,7 @@
             </a:ln>
             <a:extLst>
               <a:ext uri="{91240B29-F687-4f45-9708-019B960494DF}">
-                <a14:hiddenLine xmlns:a14="http://schemas.microsoft.com/office/drawing/2010/main" xmlns="" w="9525">
+                <a14:hiddenLine xmlns="" xmlns:a14="http://schemas.microsoft.com/office/drawing/2010/main" w="9525">
                   <a:solidFill>
                     <a:srgbClr val="000000"/>
                   </a:solidFill>
@@ -3048,7 +3064,7 @@
             </a:ln>
             <a:extLst>
               <a:ext uri="{91240B29-F687-4f45-9708-019B960494DF}">
-                <a14:hiddenLine xmlns:a14="http://schemas.microsoft.com/office/drawing/2010/main" xmlns="" w="9525">
+                <a14:hiddenLine xmlns="" xmlns:a14="http://schemas.microsoft.com/office/drawing/2010/main" w="9525">
                   <a:solidFill>
                     <a:srgbClr val="000000"/>
                   </a:solidFill>
@@ -3110,7 +3126,7 @@
             </a:ln>
             <a:extLst>
               <a:ext uri="{91240B29-F687-4f45-9708-019B960494DF}">
-                <a14:hiddenLine xmlns:a14="http://schemas.microsoft.com/office/drawing/2010/main" xmlns="" w="9525">
+                <a14:hiddenLine xmlns="" xmlns:a14="http://schemas.microsoft.com/office/drawing/2010/main" w="9525">
                   <a:solidFill>
                     <a:srgbClr val="000000"/>
                   </a:solidFill>
@@ -3200,7 +3216,7 @@
             </a:ln>
             <a:extLst>
               <a:ext uri="{91240B29-F687-4f45-9708-019B960494DF}">
-                <a14:hiddenLine xmlns:a14="http://schemas.microsoft.com/office/drawing/2010/main" xmlns="" w="9525">
+                <a14:hiddenLine xmlns="" xmlns:a14="http://schemas.microsoft.com/office/drawing/2010/main" w="9525">
                   <a:solidFill>
                     <a:srgbClr val="000000"/>
                   </a:solidFill>
@@ -3262,7 +3278,7 @@
             </a:ln>
             <a:extLst>
               <a:ext uri="{91240B29-F687-4f45-9708-019B960494DF}">
-                <a14:hiddenLine xmlns:a14="http://schemas.microsoft.com/office/drawing/2010/main" xmlns="" w="9525">
+                <a14:hiddenLine xmlns="" xmlns:a14="http://schemas.microsoft.com/office/drawing/2010/main" w="9525">
                   <a:solidFill>
                     <a:srgbClr val="000000"/>
                   </a:solidFill>
@@ -3352,7 +3368,7 @@
             </a:ln>
             <a:extLst>
               <a:ext uri="{91240B29-F687-4f45-9708-019B960494DF}">
-                <a14:hiddenLine xmlns:a14="http://schemas.microsoft.com/office/drawing/2010/main" xmlns="" w="9525">
+                <a14:hiddenLine xmlns="" xmlns:a14="http://schemas.microsoft.com/office/drawing/2010/main" w="9525">
                   <a:solidFill>
                     <a:srgbClr val="000000"/>
                   </a:solidFill>
@@ -3414,7 +3430,7 @@
             </a:ln>
             <a:extLst>
               <a:ext uri="{91240B29-F687-4f45-9708-019B960494DF}">
-                <a14:hiddenLine xmlns:a14="http://schemas.microsoft.com/office/drawing/2010/main" xmlns="" w="9525">
+                <a14:hiddenLine xmlns="" xmlns:a14="http://schemas.microsoft.com/office/drawing/2010/main" w="9525">
                   <a:solidFill>
                     <a:srgbClr val="000000"/>
                   </a:solidFill>
@@ -3504,7 +3520,7 @@
             </a:ln>
             <a:extLst>
               <a:ext uri="{91240B29-F687-4f45-9708-019B960494DF}">
-                <a14:hiddenLine xmlns:a14="http://schemas.microsoft.com/office/drawing/2010/main" xmlns="" w="9525">
+                <a14:hiddenLine xmlns="" xmlns:a14="http://schemas.microsoft.com/office/drawing/2010/main" w="9525">
                   <a:solidFill>
                     <a:srgbClr val="000000"/>
                   </a:solidFill>
@@ -3538,7 +3554,7 @@
             </a:ln>
             <a:extLst>
               <a:ext uri="{91240B29-F687-4f45-9708-019B960494DF}">
-                <a14:hiddenLine xmlns:a14="http://schemas.microsoft.com/office/drawing/2010/main" xmlns="" w="9525">
+                <a14:hiddenLine xmlns="" xmlns:a14="http://schemas.microsoft.com/office/drawing/2010/main" w="9525">
                   <a:solidFill>
                     <a:srgbClr val="000000"/>
                   </a:solidFill>
@@ -3603,7 +3619,7 @@
             </a:ln>
             <a:extLst>
               <a:ext uri="{91240B29-F687-4f45-9708-019B960494DF}">
-                <a14:hiddenLine xmlns:a14="http://schemas.microsoft.com/office/drawing/2010/main" xmlns="" w="9525">
+                <a14:hiddenLine xmlns="" xmlns:a14="http://schemas.microsoft.com/office/drawing/2010/main" w="9525">
                   <a:solidFill>
                     <a:srgbClr val="000000"/>
                   </a:solidFill>
@@ -3693,7 +3709,7 @@
             </a:ln>
             <a:extLst>
               <a:ext uri="{91240B29-F687-4f45-9708-019B960494DF}">
-                <a14:hiddenLine xmlns:a14="http://schemas.microsoft.com/office/drawing/2010/main" xmlns="" w="9525">
+                <a14:hiddenLine xmlns="" xmlns:a14="http://schemas.microsoft.com/office/drawing/2010/main" w="9525">
                   <a:solidFill>
                     <a:srgbClr val="000000"/>
                   </a:solidFill>
@@ -3755,7 +3771,7 @@
             </a:ln>
             <a:extLst>
               <a:ext uri="{91240B29-F687-4f45-9708-019B960494DF}">
-                <a14:hiddenLine xmlns:a14="http://schemas.microsoft.com/office/drawing/2010/main" xmlns="" w="9525">
+                <a14:hiddenLine xmlns="" xmlns:a14="http://schemas.microsoft.com/office/drawing/2010/main" w="9525">
                   <a:solidFill>
                     <a:srgbClr val="000000"/>
                   </a:solidFill>
@@ -3845,7 +3861,7 @@
             </a:ln>
             <a:extLst>
               <a:ext uri="{91240B29-F687-4f45-9708-019B960494DF}">
-                <a14:hiddenLine xmlns:a14="http://schemas.microsoft.com/office/drawing/2010/main" xmlns="" w="9525">
+                <a14:hiddenLine xmlns="" xmlns:a14="http://schemas.microsoft.com/office/drawing/2010/main" w="9525">
                   <a:solidFill>
                     <a:srgbClr val="000000"/>
                   </a:solidFill>
@@ -3935,7 +3951,7 @@
             </a:ln>
             <a:extLst>
               <a:ext uri="{91240B29-F687-4f45-9708-019B960494DF}">
-                <a14:hiddenLine xmlns:a14="http://schemas.microsoft.com/office/drawing/2010/main" xmlns="" w="9525">
+                <a14:hiddenLine xmlns="" xmlns:a14="http://schemas.microsoft.com/office/drawing/2010/main" w="9525">
                   <a:solidFill>
                     <a:srgbClr val="000000"/>
                   </a:solidFill>
@@ -4000,7 +4016,7 @@
             </a:ln>
             <a:extLst>
               <a:ext uri="{91240B29-F687-4f45-9708-019B960494DF}">
-                <a14:hiddenLine xmlns:a14="http://schemas.microsoft.com/office/drawing/2010/main" xmlns="" w="9525">
+                <a14:hiddenLine xmlns="" xmlns:a14="http://schemas.microsoft.com/office/drawing/2010/main" w="9525">
                   <a:solidFill>
                     <a:srgbClr val="000000"/>
                   </a:solidFill>
@@ -4062,7 +4078,7 @@
             </a:ln>
             <a:extLst>
               <a:ext uri="{91240B29-F687-4f45-9708-019B960494DF}">
-                <a14:hiddenLine xmlns:a14="http://schemas.microsoft.com/office/drawing/2010/main" xmlns="" w="9525">
+                <a14:hiddenLine xmlns="" xmlns:a14="http://schemas.microsoft.com/office/drawing/2010/main" w="9525">
                   <a:solidFill>
                     <a:srgbClr val="000000"/>
                   </a:solidFill>
@@ -4152,7 +4168,7 @@
             </a:ln>
             <a:extLst>
               <a:ext uri="{91240B29-F687-4f45-9708-019B960494DF}">
-                <a14:hiddenLine xmlns:a14="http://schemas.microsoft.com/office/drawing/2010/main" xmlns="" w="9525">
+                <a14:hiddenLine xmlns="" xmlns:a14="http://schemas.microsoft.com/office/drawing/2010/main" w="9525">
                   <a:solidFill>
                     <a:srgbClr val="000000"/>
                   </a:solidFill>
@@ -4242,7 +4258,7 @@
             </a:ln>
             <a:extLst>
               <a:ext uri="{91240B29-F687-4f45-9708-019B960494DF}">
-                <a14:hiddenLine xmlns:a14="http://schemas.microsoft.com/office/drawing/2010/main" xmlns="" w="9525">
+                <a14:hiddenLine xmlns="" xmlns:a14="http://schemas.microsoft.com/office/drawing/2010/main" w="9525">
                   <a:solidFill>
                     <a:srgbClr val="000000"/>
                   </a:solidFill>
@@ -4304,7 +4320,7 @@
             </a:ln>
             <a:extLst>
               <a:ext uri="{91240B29-F687-4f45-9708-019B960494DF}">
-                <a14:hiddenLine xmlns:a14="http://schemas.microsoft.com/office/drawing/2010/main" xmlns="" w="9525">
+                <a14:hiddenLine xmlns="" xmlns:a14="http://schemas.microsoft.com/office/drawing/2010/main" w="9525">
                   <a:solidFill>
                     <a:srgbClr val="000000"/>
                   </a:solidFill>
@@ -4424,7 +4440,7 @@
             </a:ln>
             <a:extLst>
               <a:ext uri="{91240B29-F687-4f45-9708-019B960494DF}">
-                <a14:hiddenLine xmlns:a14="http://schemas.microsoft.com/office/drawing/2010/main" xmlns="" w="9525">
+                <a14:hiddenLine xmlns="" xmlns:a14="http://schemas.microsoft.com/office/drawing/2010/main" w="9525">
                   <a:solidFill>
                     <a:srgbClr val="000000"/>
                   </a:solidFill>
@@ -4492,7 +4508,7 @@
             </a:ln>
             <a:extLst>
               <a:ext uri="{91240B29-F687-4f45-9708-019B960494DF}">
-                <a14:hiddenLine xmlns:a14="http://schemas.microsoft.com/office/drawing/2010/main" xmlns="" w="9525">
+                <a14:hiddenLine xmlns="" xmlns:a14="http://schemas.microsoft.com/office/drawing/2010/main" w="9525">
                   <a:solidFill>
                     <a:srgbClr val="000000"/>
                   </a:solidFill>
@@ -4582,7 +4598,7 @@
             </a:ln>
             <a:extLst>
               <a:ext uri="{91240B29-F687-4f45-9708-019B960494DF}">
-                <a14:hiddenLine xmlns:a14="http://schemas.microsoft.com/office/drawing/2010/main" xmlns="" w="9525">
+                <a14:hiddenLine xmlns="" xmlns:a14="http://schemas.microsoft.com/office/drawing/2010/main" w="9525">
                   <a:solidFill>
                     <a:srgbClr val="000000"/>
                   </a:solidFill>
@@ -4722,7 +4738,7 @@
           <a:p>
             <a:fld id="{48A87A34-81AB-432B-8DAE-1953F412C126}" type="datetimeFigureOut">
               <a:rPr lang="en-US" dirty="0"/>
-              <a:t>7/24/2020</a:t>
+              <a:t>7/25/2020</a:t>
             </a:fld>
             <a:endParaRPr lang="en-US" dirty="0"/>
           </a:p>
@@ -4984,7 +5000,7 @@
           <a:p>
             <a:fld id="{48A87A34-81AB-432B-8DAE-1953F412C126}" type="datetimeFigureOut">
               <a:rPr lang="en-US" dirty="0"/>
-              <a:t>7/24/2020</a:t>
+              <a:t>7/25/2020</a:t>
             </a:fld>
             <a:endParaRPr lang="en-US" dirty="0"/>
           </a:p>
@@ -5175,7 +5191,7 @@
           <a:p>
             <a:fld id="{48A87A34-81AB-432B-8DAE-1953F412C126}" type="datetimeFigureOut">
               <a:rPr lang="en-US" dirty="0"/>
-              <a:t>7/24/2020</a:t>
+              <a:t>7/25/2020</a:t>
             </a:fld>
             <a:endParaRPr lang="en-US" dirty="0"/>
           </a:p>
@@ -5433,7 +5449,7 @@
           <a:p>
             <a:fld id="{48A87A34-81AB-432B-8DAE-1953F412C126}" type="datetimeFigureOut">
               <a:rPr lang="en-US" dirty="0"/>
-              <a:t>7/24/2020</a:t>
+              <a:t>7/25/2020</a:t>
             </a:fld>
             <a:endParaRPr lang="en-US" dirty="0"/>
           </a:p>
@@ -5862,7 +5878,7 @@
           <a:p>
             <a:fld id="{48A87A34-81AB-432B-8DAE-1953F412C126}" type="datetimeFigureOut">
               <a:rPr lang="en-US" dirty="0"/>
-              <a:t>7/24/2020</a:t>
+              <a:t>7/25/2020</a:t>
             </a:fld>
             <a:endParaRPr lang="en-US" dirty="0"/>
           </a:p>
@@ -6403,7 +6419,7 @@
           <a:p>
             <a:fld id="{48A87A34-81AB-432B-8DAE-1953F412C126}" type="datetimeFigureOut">
               <a:rPr lang="en-US" dirty="0"/>
-              <a:t>7/24/2020</a:t>
+              <a:t>7/25/2020</a:t>
             </a:fld>
             <a:endParaRPr lang="en-US" dirty="0"/>
           </a:p>
@@ -7118,7 +7134,7 @@
           <a:p>
             <a:fld id="{48A87A34-81AB-432B-8DAE-1953F412C126}" type="datetimeFigureOut">
               <a:rPr lang="en-US" dirty="0"/>
-              <a:t>7/24/2020</a:t>
+              <a:t>7/25/2020</a:t>
             </a:fld>
             <a:endParaRPr lang="en-US" dirty="0"/>
           </a:p>
@@ -7283,7 +7299,7 @@
           <a:p>
             <a:fld id="{48A87A34-81AB-432B-8DAE-1953F412C126}" type="datetimeFigureOut">
               <a:rPr lang="en-US" dirty="0"/>
-              <a:t>7/24/2020</a:t>
+              <a:t>7/25/2020</a:t>
             </a:fld>
             <a:endParaRPr lang="en-US" dirty="0"/>
           </a:p>
@@ -7458,7 +7474,7 @@
           <a:p>
             <a:fld id="{48A87A34-81AB-432B-8DAE-1953F412C126}" type="datetimeFigureOut">
               <a:rPr lang="en-US" dirty="0"/>
-              <a:t>7/24/2020</a:t>
+              <a:t>7/25/2020</a:t>
             </a:fld>
             <a:endParaRPr lang="en-US" dirty="0"/>
           </a:p>
@@ -7623,7 +7639,7 @@
           <a:p>
             <a:fld id="{48A87A34-81AB-432B-8DAE-1953F412C126}" type="datetimeFigureOut">
               <a:rPr lang="en-US" dirty="0"/>
-              <a:t>7/24/2020</a:t>
+              <a:t>7/25/2020</a:t>
             </a:fld>
             <a:endParaRPr lang="en-US" dirty="0"/>
           </a:p>
@@ -7868,7 +7884,7 @@
           <a:p>
             <a:fld id="{48A87A34-81AB-432B-8DAE-1953F412C126}" type="datetimeFigureOut">
               <a:rPr lang="en-US" dirty="0"/>
-              <a:t>7/24/2020</a:t>
+              <a:t>7/25/2020</a:t>
             </a:fld>
             <a:endParaRPr lang="en-US" dirty="0"/>
           </a:p>
@@ -8095,7 +8111,7 @@
           <a:p>
             <a:fld id="{48A87A34-81AB-432B-8DAE-1953F412C126}" type="datetimeFigureOut">
               <a:rPr lang="en-US" dirty="0"/>
-              <a:t>7/24/2020</a:t>
+              <a:t>7/25/2020</a:t>
             </a:fld>
             <a:endParaRPr lang="en-US" dirty="0"/>
           </a:p>
@@ -8471,7 +8487,7 @@
           <a:p>
             <a:fld id="{48A87A34-81AB-432B-8DAE-1953F412C126}" type="datetimeFigureOut">
               <a:rPr lang="en-US" dirty="0"/>
-              <a:t>7/24/2020</a:t>
+              <a:t>7/25/2020</a:t>
             </a:fld>
             <a:endParaRPr lang="en-US" dirty="0"/>
           </a:p>
@@ -8584,7 +8600,7 @@
           <a:p>
             <a:fld id="{48A87A34-81AB-432B-8DAE-1953F412C126}" type="datetimeFigureOut">
               <a:rPr lang="en-US" dirty="0"/>
-              <a:t>7/24/2020</a:t>
+              <a:t>7/25/2020</a:t>
             </a:fld>
             <a:endParaRPr lang="en-US" dirty="0"/>
           </a:p>
@@ -8674,7 +8690,7 @@
           <a:p>
             <a:fld id="{48A87A34-81AB-432B-8DAE-1953F412C126}" type="datetimeFigureOut">
               <a:rPr lang="en-US" dirty="0"/>
-              <a:t>7/24/2020</a:t>
+              <a:t>7/25/2020</a:t>
             </a:fld>
             <a:endParaRPr lang="en-US" dirty="0"/>
           </a:p>
@@ -8918,7 +8934,7 @@
           <a:p>
             <a:fld id="{48A87A34-81AB-432B-8DAE-1953F412C126}" type="datetimeFigureOut">
               <a:rPr lang="en-US" dirty="0"/>
-              <a:t>7/24/2020</a:t>
+              <a:t>7/25/2020</a:t>
             </a:fld>
             <a:endParaRPr lang="en-US" dirty="0"/>
           </a:p>
@@ -9193,7 +9209,7 @@
           <a:p>
             <a:fld id="{48A87A34-81AB-432B-8DAE-1953F412C126}" type="datetimeFigureOut">
               <a:rPr lang="en-US" dirty="0"/>
-              <a:t>7/24/2020</a:t>
+              <a:t>7/25/2020</a:t>
             </a:fld>
             <a:endParaRPr lang="en-US" dirty="0"/>
           </a:p>
@@ -9311,7 +9327,7 @@
           <a:noFill/>
           <a:extLst>
             <a:ext uri="{909E8E84-426E-40dd-AFC4-6F175D3DCCD1}">
-              <a14:hiddenFill xmlns:a14="http://schemas.microsoft.com/office/drawing/2010/main" xmlns="">
+              <a14:hiddenFill xmlns="" xmlns:a14="http://schemas.microsoft.com/office/drawing/2010/main">
                 <a:solidFill>
                   <a:srgbClr val="FFFFFF"/>
                 </a:solidFill>
@@ -9385,7 +9401,7 @@
               </a:ln>
               <a:extLst>
                 <a:ext uri="{91240B29-F687-4f45-9708-019B960494DF}">
-                  <a14:hiddenLine xmlns:a14="http://schemas.microsoft.com/office/drawing/2010/main" xmlns="" w="9525">
+                  <a14:hiddenLine xmlns="" xmlns:a14="http://schemas.microsoft.com/office/drawing/2010/main" w="9525">
                     <a:solidFill>
                       <a:srgbClr val="000000"/>
                     </a:solidFill>
@@ -9475,7 +9491,7 @@
               </a:ln>
               <a:extLst>
                 <a:ext uri="{91240B29-F687-4f45-9708-019B960494DF}">
-                  <a14:hiddenLine xmlns:a14="http://schemas.microsoft.com/office/drawing/2010/main" xmlns="" w="9525">
+                  <a14:hiddenLine xmlns="" xmlns:a14="http://schemas.microsoft.com/office/drawing/2010/main" w="9525">
                     <a:solidFill>
                       <a:srgbClr val="000000"/>
                     </a:solidFill>
@@ -9565,7 +9581,7 @@
               </a:ln>
               <a:extLst>
                 <a:ext uri="{91240B29-F687-4f45-9708-019B960494DF}">
-                  <a14:hiddenLine xmlns:a14="http://schemas.microsoft.com/office/drawing/2010/main" xmlns="" w="9525">
+                  <a14:hiddenLine xmlns="" xmlns:a14="http://schemas.microsoft.com/office/drawing/2010/main" w="9525">
                     <a:solidFill>
                       <a:srgbClr val="000000"/>
                     </a:solidFill>
@@ -9627,7 +9643,7 @@
               </a:ln>
               <a:extLst>
                 <a:ext uri="{91240B29-F687-4f45-9708-019B960494DF}">
-                  <a14:hiddenLine xmlns:a14="http://schemas.microsoft.com/office/drawing/2010/main" xmlns="" w="9525">
+                  <a14:hiddenLine xmlns="" xmlns:a14="http://schemas.microsoft.com/office/drawing/2010/main" w="9525">
                     <a:solidFill>
                       <a:srgbClr val="000000"/>
                     </a:solidFill>
@@ -9717,7 +9733,7 @@
               </a:ln>
               <a:extLst>
                 <a:ext uri="{91240B29-F687-4f45-9708-019B960494DF}">
-                  <a14:hiddenLine xmlns:a14="http://schemas.microsoft.com/office/drawing/2010/main" xmlns="" w="9525">
+                  <a14:hiddenLine xmlns="" xmlns:a14="http://schemas.microsoft.com/office/drawing/2010/main" w="9525">
                     <a:solidFill>
                       <a:srgbClr val="000000"/>
                     </a:solidFill>
@@ -9779,7 +9795,7 @@
               </a:ln>
               <a:extLst>
                 <a:ext uri="{91240B29-F687-4f45-9708-019B960494DF}">
-                  <a14:hiddenLine xmlns:a14="http://schemas.microsoft.com/office/drawing/2010/main" xmlns="" w="9525">
+                  <a14:hiddenLine xmlns="" xmlns:a14="http://schemas.microsoft.com/office/drawing/2010/main" w="9525">
                     <a:solidFill>
                       <a:srgbClr val="000000"/>
                     </a:solidFill>
@@ -9841,7 +9857,7 @@
               </a:ln>
               <a:extLst>
                 <a:ext uri="{91240B29-F687-4f45-9708-019B960494DF}">
-                  <a14:hiddenLine xmlns:a14="http://schemas.microsoft.com/office/drawing/2010/main" xmlns="" w="9525">
+                  <a14:hiddenLine xmlns="" xmlns:a14="http://schemas.microsoft.com/office/drawing/2010/main" w="9525">
                     <a:solidFill>
                       <a:srgbClr val="000000"/>
                     </a:solidFill>
@@ -9931,7 +9947,7 @@
               </a:ln>
               <a:extLst>
                 <a:ext uri="{91240B29-F687-4f45-9708-019B960494DF}">
-                  <a14:hiddenLine xmlns:a14="http://schemas.microsoft.com/office/drawing/2010/main" xmlns="" w="9525">
+                  <a14:hiddenLine xmlns="" xmlns:a14="http://schemas.microsoft.com/office/drawing/2010/main" w="9525">
                     <a:solidFill>
                       <a:srgbClr val="000000"/>
                     </a:solidFill>
@@ -10021,7 +10037,7 @@
               </a:ln>
               <a:extLst>
                 <a:ext uri="{91240B29-F687-4f45-9708-019B960494DF}">
-                  <a14:hiddenLine xmlns:a14="http://schemas.microsoft.com/office/drawing/2010/main" xmlns="" w="9525">
+                  <a14:hiddenLine xmlns="" xmlns:a14="http://schemas.microsoft.com/office/drawing/2010/main" w="9525">
                     <a:solidFill>
                       <a:srgbClr val="000000"/>
                     </a:solidFill>
@@ -10083,7 +10099,7 @@
               </a:ln>
               <a:extLst>
                 <a:ext uri="{91240B29-F687-4f45-9708-019B960494DF}">
-                  <a14:hiddenLine xmlns:a14="http://schemas.microsoft.com/office/drawing/2010/main" xmlns="" w="9525">
+                  <a14:hiddenLine xmlns="" xmlns:a14="http://schemas.microsoft.com/office/drawing/2010/main" w="9525">
                     <a:solidFill>
                       <a:srgbClr val="000000"/>
                     </a:solidFill>
@@ -10193,7 +10209,7 @@
               </a:ln>
               <a:extLst>
                 <a:ext uri="{91240B29-F687-4f45-9708-019B960494DF}">
-                  <a14:hiddenLine xmlns:a14="http://schemas.microsoft.com/office/drawing/2010/main" xmlns="" w="9525">
+                  <a14:hiddenLine xmlns="" xmlns:a14="http://schemas.microsoft.com/office/drawing/2010/main" w="9525">
                     <a:solidFill>
                       <a:srgbClr val="000000"/>
                     </a:solidFill>
@@ -10277,7 +10293,7 @@
               </a:ln>
               <a:extLst>
                 <a:ext uri="{91240B29-F687-4f45-9708-019B960494DF}">
-                  <a14:hiddenLine xmlns:a14="http://schemas.microsoft.com/office/drawing/2010/main" xmlns="" w="9525">
+                  <a14:hiddenLine xmlns="" xmlns:a14="http://schemas.microsoft.com/office/drawing/2010/main" w="9525">
                     <a:solidFill>
                       <a:srgbClr val="000000"/>
                     </a:solidFill>
@@ -10339,7 +10355,7 @@
               </a:ln>
               <a:extLst>
                 <a:ext uri="{91240B29-F687-4f45-9708-019B960494DF}">
-                  <a14:hiddenLine xmlns:a14="http://schemas.microsoft.com/office/drawing/2010/main" xmlns="" w="9525">
+                  <a14:hiddenLine xmlns="" xmlns:a14="http://schemas.microsoft.com/office/drawing/2010/main" w="9525">
                     <a:solidFill>
                       <a:srgbClr val="000000"/>
                     </a:solidFill>
@@ -10401,7 +10417,7 @@
               </a:ln>
               <a:extLst>
                 <a:ext uri="{91240B29-F687-4f45-9708-019B960494DF}">
-                  <a14:hiddenLine xmlns:a14="http://schemas.microsoft.com/office/drawing/2010/main" xmlns="" w="9525">
+                  <a14:hiddenLine xmlns="" xmlns:a14="http://schemas.microsoft.com/office/drawing/2010/main" w="9525">
                     <a:solidFill>
                       <a:srgbClr val="000000"/>
                     </a:solidFill>
@@ -10491,7 +10507,7 @@
               </a:ln>
               <a:extLst>
                 <a:ext uri="{91240B29-F687-4f45-9708-019B960494DF}">
-                  <a14:hiddenLine xmlns:a14="http://schemas.microsoft.com/office/drawing/2010/main" xmlns="" w="9525">
+                  <a14:hiddenLine xmlns="" xmlns:a14="http://schemas.microsoft.com/office/drawing/2010/main" w="9525">
                     <a:solidFill>
                       <a:srgbClr val="000000"/>
                     </a:solidFill>
@@ -10525,7 +10541,7 @@
               </a:ln>
               <a:extLst>
                 <a:ext uri="{91240B29-F687-4f45-9708-019B960494DF}">
-                  <a14:hiddenLine xmlns:a14="http://schemas.microsoft.com/office/drawing/2010/main" xmlns="" w="9525">
+                  <a14:hiddenLine xmlns="" xmlns:a14="http://schemas.microsoft.com/office/drawing/2010/main" w="9525">
                     <a:solidFill>
                       <a:srgbClr val="000000"/>
                     </a:solidFill>
@@ -10590,7 +10606,7 @@
               </a:ln>
               <a:extLst>
                 <a:ext uri="{91240B29-F687-4f45-9708-019B960494DF}">
-                  <a14:hiddenLine xmlns:a14="http://schemas.microsoft.com/office/drawing/2010/main" xmlns="" w="9525">
+                  <a14:hiddenLine xmlns="" xmlns:a14="http://schemas.microsoft.com/office/drawing/2010/main" w="9525">
                     <a:solidFill>
                       <a:srgbClr val="000000"/>
                     </a:solidFill>
@@ -10680,7 +10696,7 @@
               </a:ln>
               <a:extLst>
                 <a:ext uri="{91240B29-F687-4f45-9708-019B960494DF}">
-                  <a14:hiddenLine xmlns:a14="http://schemas.microsoft.com/office/drawing/2010/main" xmlns="" w="9525">
+                  <a14:hiddenLine xmlns="" xmlns:a14="http://schemas.microsoft.com/office/drawing/2010/main" w="9525">
                     <a:solidFill>
                       <a:srgbClr val="000000"/>
                     </a:solidFill>
@@ -10742,7 +10758,7 @@
               </a:ln>
               <a:extLst>
                 <a:ext uri="{91240B29-F687-4f45-9708-019B960494DF}">
-                  <a14:hiddenLine xmlns:a14="http://schemas.microsoft.com/office/drawing/2010/main" xmlns="" w="9525">
+                  <a14:hiddenLine xmlns="" xmlns:a14="http://schemas.microsoft.com/office/drawing/2010/main" w="9525">
                     <a:solidFill>
                       <a:srgbClr val="000000"/>
                     </a:solidFill>
@@ -10832,7 +10848,7 @@
               </a:ln>
               <a:extLst>
                 <a:ext uri="{91240B29-F687-4f45-9708-019B960494DF}">
-                  <a14:hiddenLine xmlns:a14="http://schemas.microsoft.com/office/drawing/2010/main" xmlns="" w="9525">
+                  <a14:hiddenLine xmlns="" xmlns:a14="http://schemas.microsoft.com/office/drawing/2010/main" w="9525">
                     <a:solidFill>
                       <a:srgbClr val="000000"/>
                     </a:solidFill>
@@ -10897,7 +10913,7 @@
               </a:ln>
               <a:extLst>
                 <a:ext uri="{91240B29-F687-4f45-9708-019B960494DF}">
-                  <a14:hiddenLine xmlns:a14="http://schemas.microsoft.com/office/drawing/2010/main" xmlns="" w="9525">
+                  <a14:hiddenLine xmlns="" xmlns:a14="http://schemas.microsoft.com/office/drawing/2010/main" w="9525">
                     <a:solidFill>
                       <a:srgbClr val="000000"/>
                     </a:solidFill>
@@ -10959,7 +10975,7 @@
               </a:ln>
               <a:extLst>
                 <a:ext uri="{91240B29-F687-4f45-9708-019B960494DF}">
-                  <a14:hiddenLine xmlns:a14="http://schemas.microsoft.com/office/drawing/2010/main" xmlns="" w="9525">
+                  <a14:hiddenLine xmlns="" xmlns:a14="http://schemas.microsoft.com/office/drawing/2010/main" w="9525">
                     <a:solidFill>
                       <a:srgbClr val="000000"/>
                     </a:solidFill>
@@ -11049,7 +11065,7 @@
               </a:ln>
               <a:extLst>
                 <a:ext uri="{91240B29-F687-4f45-9708-019B960494DF}">
-                  <a14:hiddenLine xmlns:a14="http://schemas.microsoft.com/office/drawing/2010/main" xmlns="" w="9525">
+                  <a14:hiddenLine xmlns="" xmlns:a14="http://schemas.microsoft.com/office/drawing/2010/main" w="9525">
                     <a:solidFill>
                       <a:srgbClr val="000000"/>
                     </a:solidFill>
@@ -11139,7 +11155,7 @@
               </a:ln>
               <a:extLst>
                 <a:ext uri="{91240B29-F687-4f45-9708-019B960494DF}">
-                  <a14:hiddenLine xmlns:a14="http://schemas.microsoft.com/office/drawing/2010/main" xmlns="" w="9525">
+                  <a14:hiddenLine xmlns="" xmlns:a14="http://schemas.microsoft.com/office/drawing/2010/main" w="9525">
                     <a:solidFill>
                       <a:srgbClr val="000000"/>
                     </a:solidFill>
@@ -11204,7 +11220,7 @@
               </a:ln>
               <a:extLst>
                 <a:ext uri="{91240B29-F687-4f45-9708-019B960494DF}">
-                  <a14:hiddenLine xmlns:a14="http://schemas.microsoft.com/office/drawing/2010/main" xmlns="" w="9525">
+                  <a14:hiddenLine xmlns="" xmlns:a14="http://schemas.microsoft.com/office/drawing/2010/main" w="9525">
                     <a:solidFill>
                       <a:srgbClr val="000000"/>
                     </a:solidFill>
@@ -11324,7 +11340,7 @@
               </a:ln>
               <a:extLst>
                 <a:ext uri="{91240B29-F687-4f45-9708-019B960494DF}">
-                  <a14:hiddenLine xmlns:a14="http://schemas.microsoft.com/office/drawing/2010/main" xmlns="" w="9525">
+                  <a14:hiddenLine xmlns="" xmlns:a14="http://schemas.microsoft.com/office/drawing/2010/main" w="9525">
                     <a:solidFill>
                       <a:srgbClr val="000000"/>
                     </a:solidFill>
@@ -11405,7 +11421,7 @@
               </a:ln>
               <a:extLst>
                 <a:ext uri="{91240B29-F687-4f45-9708-019B960494DF}">
-                  <a14:hiddenLine xmlns:a14="http://schemas.microsoft.com/office/drawing/2010/main" xmlns="" w="9525">
+                  <a14:hiddenLine xmlns="" xmlns:a14="http://schemas.microsoft.com/office/drawing/2010/main" w="9525">
                     <a:solidFill>
                       <a:srgbClr val="000000"/>
                     </a:solidFill>
@@ -11520,7 +11536,7 @@
               </a:ln>
               <a:extLst>
                 <a:ext uri="{91240B29-F687-4f45-9708-019B960494DF}">
-                  <a14:hiddenLine xmlns:a14="http://schemas.microsoft.com/office/drawing/2010/main" xmlns="" w="9525">
+                  <a14:hiddenLine xmlns="" xmlns:a14="http://schemas.microsoft.com/office/drawing/2010/main" w="9525">
                     <a:solidFill>
                       <a:srgbClr val="000000"/>
                     </a:solidFill>
@@ -11610,7 +11626,7 @@
               </a:ln>
               <a:extLst>
                 <a:ext uri="{91240B29-F687-4f45-9708-019B960494DF}">
-                  <a14:hiddenLine xmlns:a14="http://schemas.microsoft.com/office/drawing/2010/main" xmlns="" w="9525">
+                  <a14:hiddenLine xmlns="" xmlns:a14="http://schemas.microsoft.com/office/drawing/2010/main" w="9525">
                     <a:solidFill>
                       <a:srgbClr val="000000"/>
                     </a:solidFill>
@@ -11675,7 +11691,7 @@
               </a:ln>
               <a:extLst>
                 <a:ext uri="{91240B29-F687-4f45-9708-019B960494DF}">
-                  <a14:hiddenLine xmlns:a14="http://schemas.microsoft.com/office/drawing/2010/main" xmlns="" w="9525">
+                  <a14:hiddenLine xmlns="" xmlns:a14="http://schemas.microsoft.com/office/drawing/2010/main" w="9525">
                     <a:solidFill>
                       <a:srgbClr val="000000"/>
                     </a:solidFill>
@@ -11765,7 +11781,7 @@
               </a:ln>
               <a:extLst>
                 <a:ext uri="{91240B29-F687-4f45-9708-019B960494DF}">
-                  <a14:hiddenLine xmlns:a14="http://schemas.microsoft.com/office/drawing/2010/main" xmlns="" w="9525">
+                  <a14:hiddenLine xmlns="" xmlns:a14="http://schemas.microsoft.com/office/drawing/2010/main" w="9525">
                     <a:solidFill>
                       <a:srgbClr val="000000"/>
                     </a:solidFill>
@@ -11833,7 +11849,7 @@
               </a:ln>
               <a:extLst>
                 <a:ext uri="{91240B29-F687-4f45-9708-019B960494DF}">
-                  <a14:hiddenLine xmlns:a14="http://schemas.microsoft.com/office/drawing/2010/main" xmlns="" w="9525">
+                  <a14:hiddenLine xmlns="" xmlns:a14="http://schemas.microsoft.com/office/drawing/2010/main" w="9525">
                     <a:solidFill>
                       <a:srgbClr val="000000"/>
                     </a:solidFill>
@@ -11923,7 +11939,7 @@
               </a:ln>
               <a:extLst>
                 <a:ext uri="{91240B29-F687-4f45-9708-019B960494DF}">
-                  <a14:hiddenLine xmlns:a14="http://schemas.microsoft.com/office/drawing/2010/main" xmlns="" w="9525">
+                  <a14:hiddenLine xmlns="" xmlns:a14="http://schemas.microsoft.com/office/drawing/2010/main" w="9525">
                     <a:solidFill>
                       <a:srgbClr val="000000"/>
                     </a:solidFill>
@@ -11991,7 +12007,7 @@
               </a:ln>
               <a:extLst>
                 <a:ext uri="{91240B29-F687-4f45-9708-019B960494DF}">
-                  <a14:hiddenLine xmlns:a14="http://schemas.microsoft.com/office/drawing/2010/main" xmlns="" w="9525">
+                  <a14:hiddenLine xmlns="" xmlns:a14="http://schemas.microsoft.com/office/drawing/2010/main" w="9525">
                     <a:solidFill>
                       <a:srgbClr val="000000"/>
                     </a:solidFill>
@@ -12081,7 +12097,7 @@
               </a:ln>
               <a:extLst>
                 <a:ext uri="{91240B29-F687-4f45-9708-019B960494DF}">
-                  <a14:hiddenLine xmlns:a14="http://schemas.microsoft.com/office/drawing/2010/main" xmlns="" w="9525">
+                  <a14:hiddenLine xmlns="" xmlns:a14="http://schemas.microsoft.com/office/drawing/2010/main" w="9525">
                     <a:solidFill>
                       <a:srgbClr val="000000"/>
                     </a:solidFill>
@@ -12115,7 +12131,7 @@
               </a:ln>
               <a:extLst>
                 <a:ext uri="{91240B29-F687-4f45-9708-019B960494DF}">
-                  <a14:hiddenLine xmlns:a14="http://schemas.microsoft.com/office/drawing/2010/main" xmlns="" w="9525">
+                  <a14:hiddenLine xmlns="" xmlns:a14="http://schemas.microsoft.com/office/drawing/2010/main" w="9525">
                     <a:solidFill>
                       <a:srgbClr val="000000"/>
                     </a:solidFill>
@@ -12256,7 +12272,7 @@
             <a:fld id="{48A87A34-81AB-432B-8DAE-1953F412C126}" type="datetimeFigureOut">
               <a:rPr lang="en-US" dirty="0"/>
               <a:pPr/>
-              <a:t>7/24/2020</a:t>
+              <a:t>7/25/2020</a:t>
             </a:fld>
             <a:endParaRPr lang="en-US" dirty="0"/>
           </a:p>
@@ -13981,7 +13997,7 @@
                   </a:schemeClr>
                 </a:solidFill>
               </a:rPr>
-              <a:t>Standard Deviations of correlations. </a:t>
+              <a:t>Standard Deviations of rolling correlations. </a:t>
             </a:r>
           </a:p>
           <a:p>
@@ -15148,7 +15164,7 @@
                   </a:schemeClr>
                 </a:solidFill>
               </a:rPr>
-              <a:t>Gold, Copper, Crude, Lean Hogs, Soybean, Corn.  5 and 5s day moving average</a:t>
+              <a:t>Gold, Copper, Crude, Lean Hogs, Soybean, Corn.  5 &amp; 55 day moving average</a:t>
             </a:r>
           </a:p>
           <a:p>
@@ -15451,8 +15467,8 @@
         </p:nvSpPr>
         <p:spPr>
           <a:xfrm>
-            <a:off x="1256317" y="5048170"/>
-            <a:ext cx="9055853" cy="1477328"/>
+            <a:off x="1256316" y="5048170"/>
+            <a:ext cx="9558797" cy="1754326"/>
           </a:xfrm>
           <a:prstGeom prst="rect">
             <a:avLst/>
@@ -15481,15 +15497,6 @@
             </a:r>
           </a:p>
           <a:p>
-            <a:endParaRPr lang="en-US" dirty="0">
-              <a:solidFill>
-                <a:schemeClr val="accent2">
-                  <a:lumMod val="75000"/>
-                </a:schemeClr>
-              </a:solidFill>
-            </a:endParaRPr>
-          </a:p>
-          <a:p>
             <a:pPr marL="285750" indent="-285750">
               <a:buFont typeface="Arial" panose="020B0604020202020204" pitchFamily="34" charset="0"/>
               <a:buChar char="•"/>
@@ -15502,7 +15509,23 @@
                   </a:schemeClr>
                 </a:solidFill>
               </a:rPr>
-              <a:t>The KNN Model can predict a positive return for the highest return bucket although the rate of success isn’t strong enough to use as a standalone model.</a:t>
+              <a:t>This KNN Model can predict correctly for the highest return bucket, although the rate of success isn’t strong enough to use as a standalone model.</a:t>
+            </a:r>
+          </a:p>
+          <a:p>
+            <a:pPr marL="285750" indent="-285750">
+              <a:buFont typeface="Arial" panose="020B0604020202020204" pitchFamily="34" charset="0"/>
+              <a:buChar char="•"/>
+            </a:pPr>
+            <a:r>
+              <a:rPr lang="en-US" dirty="0">
+                <a:solidFill>
+                  <a:schemeClr val="accent2">
+                    <a:lumMod val="75000"/>
+                  </a:schemeClr>
+                </a:solidFill>
+              </a:rPr>
+              <a:t>The last 22 years have had low rates, low inflation, and commodity prices have had little impact on risk assets. This model could potentially work better in a more normal environment.</a:t>
             </a:r>
           </a:p>
         </p:txBody>
@@ -15539,10 +15562,10 @@
       </p:pic>
       <p:pic>
         <p:nvPicPr>
-          <p:cNvPr id="7" name="Picture 6">
+          <p:cNvPr id="8" name="Picture 7">
             <a:extLst>
               <a:ext uri="{FF2B5EF4-FFF2-40B4-BE49-F238E27FC236}">
-                <a16:creationId xmlns:a16="http://schemas.microsoft.com/office/drawing/2014/main" id="{A4436ED5-443F-415E-B964-6A8097BC595A}"/>
+                <a16:creationId xmlns:a16="http://schemas.microsoft.com/office/drawing/2014/main" id="{9665478C-7997-435C-904D-6FD9DE229314}"/>
               </a:ext>
             </a:extLst>
           </p:cNvPr>
@@ -15559,8 +15582,8 @@
         </p:blipFill>
         <p:spPr>
           <a:xfrm>
-            <a:off x="6291938" y="3784611"/>
-            <a:ext cx="4191000" cy="1295400"/>
+            <a:off x="6592769" y="3348319"/>
+            <a:ext cx="1304925" cy="1314450"/>
           </a:xfrm>
           <a:prstGeom prst="rect">
             <a:avLst/>

--- a/Dev/Bruce/Bruce_Slides.pptx
+++ b/Dev/Bruce/Bruce_Slides.pptx
@@ -135,7 +135,7 @@
   <pc:docChgLst>
     <pc:chgData name="Bruce Mark" userId="816b9cc1b8e7bb9c" providerId="LiveId" clId="{AC789E22-8409-49D6-971C-20C6B424FF08}"/>
     <pc:docChg chg="undo custSel addSld delSld modSld sldOrd">
-      <pc:chgData name="Bruce Mark" userId="816b9cc1b8e7bb9c" providerId="LiveId" clId="{AC789E22-8409-49D6-971C-20C6B424FF08}" dt="2020-07-25T12:20:03.084" v="1067" actId="14100"/>
+      <pc:chgData name="Bruce Mark" userId="816b9cc1b8e7bb9c" providerId="LiveId" clId="{AC789E22-8409-49D6-971C-20C6B424FF08}" dt="2020-07-25T13:18:06.431" v="1069" actId="20577"/>
       <pc:docMkLst>
         <pc:docMk/>
       </pc:docMkLst>
@@ -170,13 +170,13 @@
         </pc:sldMkLst>
       </pc:sldChg>
       <pc:sldChg chg="modSp mod">
-        <pc:chgData name="Bruce Mark" userId="816b9cc1b8e7bb9c" providerId="LiveId" clId="{AC789E22-8409-49D6-971C-20C6B424FF08}" dt="2020-07-25T11:38:48.397" v="753" actId="20577"/>
+        <pc:chgData name="Bruce Mark" userId="816b9cc1b8e7bb9c" providerId="LiveId" clId="{AC789E22-8409-49D6-971C-20C6B424FF08}" dt="2020-07-25T13:18:06.431" v="1069" actId="20577"/>
         <pc:sldMkLst>
           <pc:docMk/>
           <pc:sldMk cId="1795393081" sldId="258"/>
         </pc:sldMkLst>
         <pc:spChg chg="mod">
-          <ac:chgData name="Bruce Mark" userId="816b9cc1b8e7bb9c" providerId="LiveId" clId="{AC789E22-8409-49D6-971C-20C6B424FF08}" dt="2020-07-25T11:38:48.397" v="753" actId="20577"/>
+          <ac:chgData name="Bruce Mark" userId="816b9cc1b8e7bb9c" providerId="LiveId" clId="{AC789E22-8409-49D6-971C-20C6B424FF08}" dt="2020-07-25T13:18:06.431" v="1069" actId="20577"/>
           <ac:spMkLst>
             <pc:docMk/>
             <pc:sldMk cId="1795393081" sldId="258"/>
@@ -513,7 +513,7 @@
           <a:noFill/>
           <a:extLst>
             <a:ext uri="{909E8E84-426E-40dd-AFC4-6F175D3DCCD1}">
-              <a14:hiddenFill xmlns="" xmlns:a14="http://schemas.microsoft.com/office/drawing/2010/main">
+              <a14:hiddenFill xmlns:a14="http://schemas.microsoft.com/office/drawing/2010/main" xmlns="">
                 <a:solidFill>
                   <a:srgbClr val="FFFFFF"/>
                 </a:solidFill>
@@ -572,7 +572,7 @@
             </a:ln>
             <a:extLst>
               <a:ext uri="{91240B29-F687-4f45-9708-019B960494DF}">
-                <a14:hiddenLine xmlns="" xmlns:a14="http://schemas.microsoft.com/office/drawing/2010/main" w="9525">
+                <a14:hiddenLine xmlns:a14="http://schemas.microsoft.com/office/drawing/2010/main" xmlns="" w="9525">
                   <a:solidFill>
                     <a:srgbClr val="000000"/>
                   </a:solidFill>
@@ -662,7 +662,7 @@
             </a:ln>
             <a:extLst>
               <a:ext uri="{91240B29-F687-4f45-9708-019B960494DF}">
-                <a14:hiddenLine xmlns="" xmlns:a14="http://schemas.microsoft.com/office/drawing/2010/main" w="9525">
+                <a14:hiddenLine xmlns:a14="http://schemas.microsoft.com/office/drawing/2010/main" xmlns="" w="9525">
                   <a:solidFill>
                     <a:srgbClr val="000000"/>
                   </a:solidFill>
@@ -752,7 +752,7 @@
             </a:ln>
             <a:extLst>
               <a:ext uri="{91240B29-F687-4f45-9708-019B960494DF}">
-                <a14:hiddenLine xmlns="" xmlns:a14="http://schemas.microsoft.com/office/drawing/2010/main" w="9525">
+                <a14:hiddenLine xmlns:a14="http://schemas.microsoft.com/office/drawing/2010/main" xmlns="" w="9525">
                   <a:solidFill>
                     <a:srgbClr val="000000"/>
                   </a:solidFill>
@@ -786,7 +786,7 @@
             </a:ln>
             <a:extLst>
               <a:ext uri="{91240B29-F687-4f45-9708-019B960494DF}">
-                <a14:hiddenLine xmlns="" xmlns:a14="http://schemas.microsoft.com/office/drawing/2010/main" w="9525">
+                <a14:hiddenLine xmlns:a14="http://schemas.microsoft.com/office/drawing/2010/main" xmlns="" w="9525">
                   <a:solidFill>
                     <a:srgbClr val="000000"/>
                   </a:solidFill>
@@ -876,7 +876,7 @@
             </a:ln>
             <a:extLst>
               <a:ext uri="{91240B29-F687-4f45-9708-019B960494DF}">
-                <a14:hiddenLine xmlns="" xmlns:a14="http://schemas.microsoft.com/office/drawing/2010/main" w="9525">
+                <a14:hiddenLine xmlns:a14="http://schemas.microsoft.com/office/drawing/2010/main" xmlns="" w="9525">
                   <a:solidFill>
                     <a:srgbClr val="000000"/>
                   </a:solidFill>
@@ -938,7 +938,7 @@
             </a:ln>
             <a:extLst>
               <a:ext uri="{91240B29-F687-4f45-9708-019B960494DF}">
-                <a14:hiddenLine xmlns="" xmlns:a14="http://schemas.microsoft.com/office/drawing/2010/main" w="9525">
+                <a14:hiddenLine xmlns:a14="http://schemas.microsoft.com/office/drawing/2010/main" xmlns="" w="9525">
                   <a:solidFill>
                     <a:srgbClr val="000000"/>
                   </a:solidFill>
@@ -1000,7 +1000,7 @@
             </a:ln>
             <a:extLst>
               <a:ext uri="{91240B29-F687-4f45-9708-019B960494DF}">
-                <a14:hiddenLine xmlns="" xmlns:a14="http://schemas.microsoft.com/office/drawing/2010/main" w="9525">
+                <a14:hiddenLine xmlns:a14="http://schemas.microsoft.com/office/drawing/2010/main" xmlns="" w="9525">
                   <a:solidFill>
                     <a:srgbClr val="000000"/>
                   </a:solidFill>
@@ -1090,7 +1090,7 @@
             </a:ln>
             <a:extLst>
               <a:ext uri="{91240B29-F687-4f45-9708-019B960494DF}">
-                <a14:hiddenLine xmlns="" xmlns:a14="http://schemas.microsoft.com/office/drawing/2010/main" w="9525">
+                <a14:hiddenLine xmlns:a14="http://schemas.microsoft.com/office/drawing/2010/main" xmlns="" w="9525">
                   <a:solidFill>
                     <a:srgbClr val="000000"/>
                   </a:solidFill>
@@ -1152,7 +1152,7 @@
             </a:ln>
             <a:extLst>
               <a:ext uri="{91240B29-F687-4f45-9708-019B960494DF}">
-                <a14:hiddenLine xmlns="" xmlns:a14="http://schemas.microsoft.com/office/drawing/2010/main" w="9525">
+                <a14:hiddenLine xmlns:a14="http://schemas.microsoft.com/office/drawing/2010/main" xmlns="" w="9525">
                   <a:solidFill>
                     <a:srgbClr val="000000"/>
                   </a:solidFill>
@@ -1214,7 +1214,7 @@
             </a:ln>
             <a:extLst>
               <a:ext uri="{91240B29-F687-4f45-9708-019B960494DF}">
-                <a14:hiddenLine xmlns="" xmlns:a14="http://schemas.microsoft.com/office/drawing/2010/main" w="9525">
+                <a14:hiddenLine xmlns:a14="http://schemas.microsoft.com/office/drawing/2010/main" xmlns="" w="9525">
                   <a:solidFill>
                     <a:srgbClr val="000000"/>
                   </a:solidFill>
@@ -1304,7 +1304,7 @@
             </a:ln>
             <a:extLst>
               <a:ext uri="{91240B29-F687-4f45-9708-019B960494DF}">
-                <a14:hiddenLine xmlns="" xmlns:a14="http://schemas.microsoft.com/office/drawing/2010/main" w="9525">
+                <a14:hiddenLine xmlns:a14="http://schemas.microsoft.com/office/drawing/2010/main" xmlns="" w="9525">
                   <a:solidFill>
                     <a:srgbClr val="000000"/>
                   </a:solidFill>
@@ -1394,7 +1394,7 @@
             </a:ln>
             <a:extLst>
               <a:ext uri="{91240B29-F687-4f45-9708-019B960494DF}">
-                <a14:hiddenLine xmlns="" xmlns:a14="http://schemas.microsoft.com/office/drawing/2010/main" w="9525">
+                <a14:hiddenLine xmlns:a14="http://schemas.microsoft.com/office/drawing/2010/main" xmlns="" w="9525">
                   <a:solidFill>
                     <a:srgbClr val="000000"/>
                   </a:solidFill>
@@ -1456,7 +1456,7 @@
             </a:ln>
             <a:extLst>
               <a:ext uri="{91240B29-F687-4f45-9708-019B960494DF}">
-                <a14:hiddenLine xmlns="" xmlns:a14="http://schemas.microsoft.com/office/drawing/2010/main" w="9525">
+                <a14:hiddenLine xmlns:a14="http://schemas.microsoft.com/office/drawing/2010/main" xmlns="" w="9525">
                   <a:solidFill>
                     <a:srgbClr val="000000"/>
                   </a:solidFill>
@@ -1566,7 +1566,7 @@
             </a:ln>
             <a:extLst>
               <a:ext uri="{91240B29-F687-4f45-9708-019B960494DF}">
-                <a14:hiddenLine xmlns="" xmlns:a14="http://schemas.microsoft.com/office/drawing/2010/main" w="9525">
+                <a14:hiddenLine xmlns:a14="http://schemas.microsoft.com/office/drawing/2010/main" xmlns="" w="9525">
                   <a:solidFill>
                     <a:srgbClr val="000000"/>
                   </a:solidFill>
@@ -1628,7 +1628,7 @@
             </a:ln>
             <a:extLst>
               <a:ext uri="{91240B29-F687-4f45-9708-019B960494DF}">
-                <a14:hiddenLine xmlns="" xmlns:a14="http://schemas.microsoft.com/office/drawing/2010/main" w="9525">
+                <a14:hiddenLine xmlns:a14="http://schemas.microsoft.com/office/drawing/2010/main" xmlns="" w="9525">
                   <a:solidFill>
                     <a:srgbClr val="000000"/>
                   </a:solidFill>
@@ -1718,7 +1718,7 @@
             </a:ln>
             <a:extLst>
               <a:ext uri="{91240B29-F687-4f45-9708-019B960494DF}">
-                <a14:hiddenLine xmlns="" xmlns:a14="http://schemas.microsoft.com/office/drawing/2010/main" w="9525">
+                <a14:hiddenLine xmlns:a14="http://schemas.microsoft.com/office/drawing/2010/main" xmlns="" w="9525">
                   <a:solidFill>
                     <a:srgbClr val="000000"/>
                   </a:solidFill>
@@ -1808,7 +1808,7 @@
             </a:ln>
             <a:extLst>
               <a:ext uri="{91240B29-F687-4f45-9708-019B960494DF}">
-                <a14:hiddenLine xmlns="" xmlns:a14="http://schemas.microsoft.com/office/drawing/2010/main" w="9525">
+                <a14:hiddenLine xmlns:a14="http://schemas.microsoft.com/office/drawing/2010/main" xmlns="" w="9525">
                   <a:solidFill>
                     <a:srgbClr val="000000"/>
                   </a:solidFill>
@@ -1870,7 +1870,7 @@
             </a:ln>
             <a:extLst>
               <a:ext uri="{91240B29-F687-4f45-9708-019B960494DF}">
-                <a14:hiddenLine xmlns="" xmlns:a14="http://schemas.microsoft.com/office/drawing/2010/main" w="9525">
+                <a14:hiddenLine xmlns:a14="http://schemas.microsoft.com/office/drawing/2010/main" xmlns="" w="9525">
                   <a:solidFill>
                     <a:srgbClr val="000000"/>
                   </a:solidFill>
@@ -1960,7 +1960,7 @@
             </a:ln>
             <a:extLst>
               <a:ext uri="{91240B29-F687-4f45-9708-019B960494DF}">
-                <a14:hiddenLine xmlns="" xmlns:a14="http://schemas.microsoft.com/office/drawing/2010/main" w="9525">
+                <a14:hiddenLine xmlns:a14="http://schemas.microsoft.com/office/drawing/2010/main" xmlns="" w="9525">
                   <a:solidFill>
                     <a:srgbClr val="000000"/>
                   </a:solidFill>
@@ -2050,7 +2050,7 @@
             </a:ln>
             <a:extLst>
               <a:ext uri="{91240B29-F687-4f45-9708-019B960494DF}">
-                <a14:hiddenLine xmlns="" xmlns:a14="http://schemas.microsoft.com/office/drawing/2010/main" w="9525">
+                <a14:hiddenLine xmlns:a14="http://schemas.microsoft.com/office/drawing/2010/main" xmlns="" w="9525">
                   <a:solidFill>
                     <a:srgbClr val="000000"/>
                   </a:solidFill>
@@ -2106,7 +2106,7 @@
             </a:ln>
             <a:extLst>
               <a:ext uri="{91240B29-F687-4f45-9708-019B960494DF}">
-                <a14:hiddenLine xmlns="" xmlns:a14="http://schemas.microsoft.com/office/drawing/2010/main" w="9525">
+                <a14:hiddenLine xmlns:a14="http://schemas.microsoft.com/office/drawing/2010/main" xmlns="" w="9525">
                   <a:solidFill>
                     <a:srgbClr val="000000"/>
                   </a:solidFill>
@@ -2196,7 +2196,7 @@
             </a:ln>
             <a:extLst>
               <a:ext uri="{91240B29-F687-4f45-9708-019B960494DF}">
-                <a14:hiddenLine xmlns="" xmlns:a14="http://schemas.microsoft.com/office/drawing/2010/main" w="9525">
+                <a14:hiddenLine xmlns:a14="http://schemas.microsoft.com/office/drawing/2010/main" xmlns="" w="9525">
                   <a:solidFill>
                     <a:srgbClr val="000000"/>
                   </a:solidFill>
@@ -2252,7 +2252,7 @@
             </a:ln>
             <a:extLst>
               <a:ext uri="{91240B29-F687-4f45-9708-019B960494DF}">
-                <a14:hiddenLine xmlns="" xmlns:a14="http://schemas.microsoft.com/office/drawing/2010/main" w="9525">
+                <a14:hiddenLine xmlns:a14="http://schemas.microsoft.com/office/drawing/2010/main" xmlns="" w="9525">
                   <a:solidFill>
                     <a:srgbClr val="000000"/>
                   </a:solidFill>
@@ -2342,7 +2342,7 @@
             </a:ln>
             <a:extLst>
               <a:ext uri="{91240B29-F687-4f45-9708-019B960494DF}">
-                <a14:hiddenLine xmlns="" xmlns:a14="http://schemas.microsoft.com/office/drawing/2010/main" w="9525">
+                <a14:hiddenLine xmlns:a14="http://schemas.microsoft.com/office/drawing/2010/main" xmlns="" w="9525">
                   <a:solidFill>
                     <a:srgbClr val="000000"/>
                   </a:solidFill>
@@ -2410,7 +2410,7 @@
             </a:ln>
             <a:extLst>
               <a:ext uri="{91240B29-F687-4f45-9708-019B960494DF}">
-                <a14:hiddenLine xmlns="" xmlns:a14="http://schemas.microsoft.com/office/drawing/2010/main" w="9525">
+                <a14:hiddenLine xmlns:a14="http://schemas.microsoft.com/office/drawing/2010/main" xmlns="" w="9525">
                   <a:solidFill>
                     <a:srgbClr val="000000"/>
                   </a:solidFill>
@@ -2500,7 +2500,7 @@
             </a:ln>
             <a:extLst>
               <a:ext uri="{91240B29-F687-4f45-9708-019B960494DF}">
-                <a14:hiddenLine xmlns="" xmlns:a14="http://schemas.microsoft.com/office/drawing/2010/main" w="9525">
+                <a14:hiddenLine xmlns:a14="http://schemas.microsoft.com/office/drawing/2010/main" xmlns="" w="9525">
                   <a:solidFill>
                     <a:srgbClr val="000000"/>
                   </a:solidFill>
@@ -2568,7 +2568,7 @@
             </a:ln>
             <a:extLst>
               <a:ext uri="{91240B29-F687-4f45-9708-019B960494DF}">
-                <a14:hiddenLine xmlns="" xmlns:a14="http://schemas.microsoft.com/office/drawing/2010/main" w="9525">
+                <a14:hiddenLine xmlns:a14="http://schemas.microsoft.com/office/drawing/2010/main" xmlns="" w="9525">
                   <a:solidFill>
                     <a:srgbClr val="000000"/>
                   </a:solidFill>
@@ -2658,7 +2658,7 @@
             </a:ln>
             <a:extLst>
               <a:ext uri="{91240B29-F687-4f45-9708-019B960494DF}">
-                <a14:hiddenLine xmlns="" xmlns:a14="http://schemas.microsoft.com/office/drawing/2010/main" w="9525">
+                <a14:hiddenLine xmlns:a14="http://schemas.microsoft.com/office/drawing/2010/main" xmlns="" w="9525">
                   <a:solidFill>
                     <a:srgbClr val="000000"/>
                   </a:solidFill>
@@ -2692,7 +2692,7 @@
             </a:ln>
             <a:extLst>
               <a:ext uri="{91240B29-F687-4f45-9708-019B960494DF}">
-                <a14:hiddenLine xmlns="" xmlns:a14="http://schemas.microsoft.com/office/drawing/2010/main" w="9525">
+                <a14:hiddenLine xmlns:a14="http://schemas.microsoft.com/office/drawing/2010/main" xmlns="" w="9525">
                   <a:solidFill>
                     <a:srgbClr val="000000"/>
                   </a:solidFill>
@@ -2782,7 +2782,7 @@
             </a:ln>
             <a:extLst>
               <a:ext uri="{91240B29-F687-4f45-9708-019B960494DF}">
-                <a14:hiddenLine xmlns="" xmlns:a14="http://schemas.microsoft.com/office/drawing/2010/main" w="9525">
+                <a14:hiddenLine xmlns:a14="http://schemas.microsoft.com/office/drawing/2010/main" xmlns="" w="9525">
                   <a:solidFill>
                     <a:srgbClr val="000000"/>
                   </a:solidFill>
@@ -2844,7 +2844,7 @@
             </a:ln>
             <a:extLst>
               <a:ext uri="{91240B29-F687-4f45-9708-019B960494DF}">
-                <a14:hiddenLine xmlns="" xmlns:a14="http://schemas.microsoft.com/office/drawing/2010/main" w="9525">
+                <a14:hiddenLine xmlns:a14="http://schemas.microsoft.com/office/drawing/2010/main" xmlns="" w="9525">
                   <a:solidFill>
                     <a:srgbClr val="000000"/>
                   </a:solidFill>
@@ -2906,7 +2906,7 @@
             </a:ln>
             <a:extLst>
               <a:ext uri="{91240B29-F687-4f45-9708-019B960494DF}">
-                <a14:hiddenLine xmlns="" xmlns:a14="http://schemas.microsoft.com/office/drawing/2010/main" w="9525">
+                <a14:hiddenLine xmlns:a14="http://schemas.microsoft.com/office/drawing/2010/main" xmlns="" w="9525">
                   <a:solidFill>
                     <a:srgbClr val="000000"/>
                   </a:solidFill>
@@ -2996,7 +2996,7 @@
             </a:ln>
             <a:extLst>
               <a:ext uri="{91240B29-F687-4f45-9708-019B960494DF}">
-                <a14:hiddenLine xmlns="" xmlns:a14="http://schemas.microsoft.com/office/drawing/2010/main" w="9525">
+                <a14:hiddenLine xmlns:a14="http://schemas.microsoft.com/office/drawing/2010/main" xmlns="" w="9525">
                   <a:solidFill>
                     <a:srgbClr val="000000"/>
                   </a:solidFill>
@@ -3064,7 +3064,7 @@
             </a:ln>
             <a:extLst>
               <a:ext uri="{91240B29-F687-4f45-9708-019B960494DF}">
-                <a14:hiddenLine xmlns="" xmlns:a14="http://schemas.microsoft.com/office/drawing/2010/main" w="9525">
+                <a14:hiddenLine xmlns:a14="http://schemas.microsoft.com/office/drawing/2010/main" xmlns="" w="9525">
                   <a:solidFill>
                     <a:srgbClr val="000000"/>
                   </a:solidFill>
@@ -3126,7 +3126,7 @@
             </a:ln>
             <a:extLst>
               <a:ext uri="{91240B29-F687-4f45-9708-019B960494DF}">
-                <a14:hiddenLine xmlns="" xmlns:a14="http://schemas.microsoft.com/office/drawing/2010/main" w="9525">
+                <a14:hiddenLine xmlns:a14="http://schemas.microsoft.com/office/drawing/2010/main" xmlns="" w="9525">
                   <a:solidFill>
                     <a:srgbClr val="000000"/>
                   </a:solidFill>
@@ -3216,7 +3216,7 @@
             </a:ln>
             <a:extLst>
               <a:ext uri="{91240B29-F687-4f45-9708-019B960494DF}">
-                <a14:hiddenLine xmlns="" xmlns:a14="http://schemas.microsoft.com/office/drawing/2010/main" w="9525">
+                <a14:hiddenLine xmlns:a14="http://schemas.microsoft.com/office/drawing/2010/main" xmlns="" w="9525">
                   <a:solidFill>
                     <a:srgbClr val="000000"/>
                   </a:solidFill>
@@ -3278,7 +3278,7 @@
             </a:ln>
             <a:extLst>
               <a:ext uri="{91240B29-F687-4f45-9708-019B960494DF}">
-                <a14:hiddenLine xmlns="" xmlns:a14="http://schemas.microsoft.com/office/drawing/2010/main" w="9525">
+                <a14:hiddenLine xmlns:a14="http://schemas.microsoft.com/office/drawing/2010/main" xmlns="" w="9525">
                   <a:solidFill>
                     <a:srgbClr val="000000"/>
                   </a:solidFill>
@@ -3368,7 +3368,7 @@
             </a:ln>
             <a:extLst>
               <a:ext uri="{91240B29-F687-4f45-9708-019B960494DF}">
-                <a14:hiddenLine xmlns="" xmlns:a14="http://schemas.microsoft.com/office/drawing/2010/main" w="9525">
+                <a14:hiddenLine xmlns:a14="http://schemas.microsoft.com/office/drawing/2010/main" xmlns="" w="9525">
                   <a:solidFill>
                     <a:srgbClr val="000000"/>
                   </a:solidFill>
@@ -3430,7 +3430,7 @@
             </a:ln>
             <a:extLst>
               <a:ext uri="{91240B29-F687-4f45-9708-019B960494DF}">
-                <a14:hiddenLine xmlns="" xmlns:a14="http://schemas.microsoft.com/office/drawing/2010/main" w="9525">
+                <a14:hiddenLine xmlns:a14="http://schemas.microsoft.com/office/drawing/2010/main" xmlns="" w="9525">
                   <a:solidFill>
                     <a:srgbClr val="000000"/>
                   </a:solidFill>
@@ -3520,7 +3520,7 @@
             </a:ln>
             <a:extLst>
               <a:ext uri="{91240B29-F687-4f45-9708-019B960494DF}">
-                <a14:hiddenLine xmlns="" xmlns:a14="http://schemas.microsoft.com/office/drawing/2010/main" w="9525">
+                <a14:hiddenLine xmlns:a14="http://schemas.microsoft.com/office/drawing/2010/main" xmlns="" w="9525">
                   <a:solidFill>
                     <a:srgbClr val="000000"/>
                   </a:solidFill>
@@ -3554,7 +3554,7 @@
             </a:ln>
             <a:extLst>
               <a:ext uri="{91240B29-F687-4f45-9708-019B960494DF}">
-                <a14:hiddenLine xmlns="" xmlns:a14="http://schemas.microsoft.com/office/drawing/2010/main" w="9525">
+                <a14:hiddenLine xmlns:a14="http://schemas.microsoft.com/office/drawing/2010/main" xmlns="" w="9525">
                   <a:solidFill>
                     <a:srgbClr val="000000"/>
                   </a:solidFill>
@@ -3619,7 +3619,7 @@
             </a:ln>
             <a:extLst>
               <a:ext uri="{91240B29-F687-4f45-9708-019B960494DF}">
-                <a14:hiddenLine xmlns="" xmlns:a14="http://schemas.microsoft.com/office/drawing/2010/main" w="9525">
+                <a14:hiddenLine xmlns:a14="http://schemas.microsoft.com/office/drawing/2010/main" xmlns="" w="9525">
                   <a:solidFill>
                     <a:srgbClr val="000000"/>
                   </a:solidFill>
@@ -3709,7 +3709,7 @@
             </a:ln>
             <a:extLst>
               <a:ext uri="{91240B29-F687-4f45-9708-019B960494DF}">
-                <a14:hiddenLine xmlns="" xmlns:a14="http://schemas.microsoft.com/office/drawing/2010/main" w="9525">
+                <a14:hiddenLine xmlns:a14="http://schemas.microsoft.com/office/drawing/2010/main" xmlns="" w="9525">
                   <a:solidFill>
                     <a:srgbClr val="000000"/>
                   </a:solidFill>
@@ -3771,7 +3771,7 @@
             </a:ln>
             <a:extLst>
               <a:ext uri="{91240B29-F687-4f45-9708-019B960494DF}">
-                <a14:hiddenLine xmlns="" xmlns:a14="http://schemas.microsoft.com/office/drawing/2010/main" w="9525">
+                <a14:hiddenLine xmlns:a14="http://schemas.microsoft.com/office/drawing/2010/main" xmlns="" w="9525">
                   <a:solidFill>
                     <a:srgbClr val="000000"/>
                   </a:solidFill>
@@ -3861,7 +3861,7 @@
             </a:ln>
             <a:extLst>
               <a:ext uri="{91240B29-F687-4f45-9708-019B960494DF}">
-                <a14:hiddenLine xmlns="" xmlns:a14="http://schemas.microsoft.com/office/drawing/2010/main" w="9525">
+                <a14:hiddenLine xmlns:a14="http://schemas.microsoft.com/office/drawing/2010/main" xmlns="" w="9525">
                   <a:solidFill>
                     <a:srgbClr val="000000"/>
                   </a:solidFill>
@@ -3951,7 +3951,7 @@
             </a:ln>
             <a:extLst>
               <a:ext uri="{91240B29-F687-4f45-9708-019B960494DF}">
-                <a14:hiddenLine xmlns="" xmlns:a14="http://schemas.microsoft.com/office/drawing/2010/main" w="9525">
+                <a14:hiddenLine xmlns:a14="http://schemas.microsoft.com/office/drawing/2010/main" xmlns="" w="9525">
                   <a:solidFill>
                     <a:srgbClr val="000000"/>
                   </a:solidFill>
@@ -4016,7 +4016,7 @@
             </a:ln>
             <a:extLst>
               <a:ext uri="{91240B29-F687-4f45-9708-019B960494DF}">
-                <a14:hiddenLine xmlns="" xmlns:a14="http://schemas.microsoft.com/office/drawing/2010/main" w="9525">
+                <a14:hiddenLine xmlns:a14="http://schemas.microsoft.com/office/drawing/2010/main" xmlns="" w="9525">
                   <a:solidFill>
                     <a:srgbClr val="000000"/>
                   </a:solidFill>
@@ -4078,7 +4078,7 @@
             </a:ln>
             <a:extLst>
               <a:ext uri="{91240B29-F687-4f45-9708-019B960494DF}">
-                <a14:hiddenLine xmlns="" xmlns:a14="http://schemas.microsoft.com/office/drawing/2010/main" w="9525">
+                <a14:hiddenLine xmlns:a14="http://schemas.microsoft.com/office/drawing/2010/main" xmlns="" w="9525">
                   <a:solidFill>
                     <a:srgbClr val="000000"/>
                   </a:solidFill>
@@ -4168,7 +4168,7 @@
             </a:ln>
             <a:extLst>
               <a:ext uri="{91240B29-F687-4f45-9708-019B960494DF}">
-                <a14:hiddenLine xmlns="" xmlns:a14="http://schemas.microsoft.com/office/drawing/2010/main" w="9525">
+                <a14:hiddenLine xmlns:a14="http://schemas.microsoft.com/office/drawing/2010/main" xmlns="" w="9525">
                   <a:solidFill>
                     <a:srgbClr val="000000"/>
                   </a:solidFill>
@@ -4258,7 +4258,7 @@
             </a:ln>
             <a:extLst>
               <a:ext uri="{91240B29-F687-4f45-9708-019B960494DF}">
-                <a14:hiddenLine xmlns="" xmlns:a14="http://schemas.microsoft.com/office/drawing/2010/main" w="9525">
+                <a14:hiddenLine xmlns:a14="http://schemas.microsoft.com/office/drawing/2010/main" xmlns="" w="9525">
                   <a:solidFill>
                     <a:srgbClr val="000000"/>
                   </a:solidFill>
@@ -4320,7 +4320,7 @@
             </a:ln>
             <a:extLst>
               <a:ext uri="{91240B29-F687-4f45-9708-019B960494DF}">
-                <a14:hiddenLine xmlns="" xmlns:a14="http://schemas.microsoft.com/office/drawing/2010/main" w="9525">
+                <a14:hiddenLine xmlns:a14="http://schemas.microsoft.com/office/drawing/2010/main" xmlns="" w="9525">
                   <a:solidFill>
                     <a:srgbClr val="000000"/>
                   </a:solidFill>
@@ -4440,7 +4440,7 @@
             </a:ln>
             <a:extLst>
               <a:ext uri="{91240B29-F687-4f45-9708-019B960494DF}">
-                <a14:hiddenLine xmlns="" xmlns:a14="http://schemas.microsoft.com/office/drawing/2010/main" w="9525">
+                <a14:hiddenLine xmlns:a14="http://schemas.microsoft.com/office/drawing/2010/main" xmlns="" w="9525">
                   <a:solidFill>
                     <a:srgbClr val="000000"/>
                   </a:solidFill>
@@ -4508,7 +4508,7 @@
             </a:ln>
             <a:extLst>
               <a:ext uri="{91240B29-F687-4f45-9708-019B960494DF}">
-                <a14:hiddenLine xmlns="" xmlns:a14="http://schemas.microsoft.com/office/drawing/2010/main" w="9525">
+                <a14:hiddenLine xmlns:a14="http://schemas.microsoft.com/office/drawing/2010/main" xmlns="" w="9525">
                   <a:solidFill>
                     <a:srgbClr val="000000"/>
                   </a:solidFill>
@@ -4598,7 +4598,7 @@
             </a:ln>
             <a:extLst>
               <a:ext uri="{91240B29-F687-4f45-9708-019B960494DF}">
-                <a14:hiddenLine xmlns="" xmlns:a14="http://schemas.microsoft.com/office/drawing/2010/main" w="9525">
+                <a14:hiddenLine xmlns:a14="http://schemas.microsoft.com/office/drawing/2010/main" xmlns="" w="9525">
                   <a:solidFill>
                     <a:srgbClr val="000000"/>
                   </a:solidFill>
@@ -9327,7 +9327,7 @@
           <a:noFill/>
           <a:extLst>
             <a:ext uri="{909E8E84-426E-40dd-AFC4-6F175D3DCCD1}">
-              <a14:hiddenFill xmlns="" xmlns:a14="http://schemas.microsoft.com/office/drawing/2010/main">
+              <a14:hiddenFill xmlns:a14="http://schemas.microsoft.com/office/drawing/2010/main" xmlns="">
                 <a:solidFill>
                   <a:srgbClr val="FFFFFF"/>
                 </a:solidFill>
@@ -9401,7 +9401,7 @@
               </a:ln>
               <a:extLst>
                 <a:ext uri="{91240B29-F687-4f45-9708-019B960494DF}">
-                  <a14:hiddenLine xmlns="" xmlns:a14="http://schemas.microsoft.com/office/drawing/2010/main" w="9525">
+                  <a14:hiddenLine xmlns:a14="http://schemas.microsoft.com/office/drawing/2010/main" xmlns="" w="9525">
                     <a:solidFill>
                       <a:srgbClr val="000000"/>
                     </a:solidFill>
@@ -9491,7 +9491,7 @@
               </a:ln>
               <a:extLst>
                 <a:ext uri="{91240B29-F687-4f45-9708-019B960494DF}">
-                  <a14:hiddenLine xmlns="" xmlns:a14="http://schemas.microsoft.com/office/drawing/2010/main" w="9525">
+                  <a14:hiddenLine xmlns:a14="http://schemas.microsoft.com/office/drawing/2010/main" xmlns="" w="9525">
                     <a:solidFill>
                       <a:srgbClr val="000000"/>
                     </a:solidFill>
@@ -9581,7 +9581,7 @@
               </a:ln>
               <a:extLst>
                 <a:ext uri="{91240B29-F687-4f45-9708-019B960494DF}">
-                  <a14:hiddenLine xmlns="" xmlns:a14="http://schemas.microsoft.com/office/drawing/2010/main" w="9525">
+                  <a14:hiddenLine xmlns:a14="http://schemas.microsoft.com/office/drawing/2010/main" xmlns="" w="9525">
                     <a:solidFill>
                       <a:srgbClr val="000000"/>
                     </a:solidFill>
@@ -9643,7 +9643,7 @@
               </a:ln>
               <a:extLst>
                 <a:ext uri="{91240B29-F687-4f45-9708-019B960494DF}">
-                  <a14:hiddenLine xmlns="" xmlns:a14="http://schemas.microsoft.com/office/drawing/2010/main" w="9525">
+                  <a14:hiddenLine xmlns:a14="http://schemas.microsoft.com/office/drawing/2010/main" xmlns="" w="9525">
                     <a:solidFill>
                       <a:srgbClr val="000000"/>
                     </a:solidFill>
@@ -9733,7 +9733,7 @@
               </a:ln>
               <a:extLst>
                 <a:ext uri="{91240B29-F687-4f45-9708-019B960494DF}">
-                  <a14:hiddenLine xmlns="" xmlns:a14="http://schemas.microsoft.com/office/drawing/2010/main" w="9525">
+                  <a14:hiddenLine xmlns:a14="http://schemas.microsoft.com/office/drawing/2010/main" xmlns="" w="9525">
                     <a:solidFill>
                       <a:srgbClr val="000000"/>
                     </a:solidFill>
@@ -9795,7 +9795,7 @@
               </a:ln>
               <a:extLst>
                 <a:ext uri="{91240B29-F687-4f45-9708-019B960494DF}">
-                  <a14:hiddenLine xmlns="" xmlns:a14="http://schemas.microsoft.com/office/drawing/2010/main" w="9525">
+                  <a14:hiddenLine xmlns:a14="http://schemas.microsoft.com/office/drawing/2010/main" xmlns="" w="9525">
                     <a:solidFill>
                       <a:srgbClr val="000000"/>
                     </a:solidFill>
@@ -9857,7 +9857,7 @@
               </a:ln>
               <a:extLst>
                 <a:ext uri="{91240B29-F687-4f45-9708-019B960494DF}">
-                  <a14:hiddenLine xmlns="" xmlns:a14="http://schemas.microsoft.com/office/drawing/2010/main" w="9525">
+                  <a14:hiddenLine xmlns:a14="http://schemas.microsoft.com/office/drawing/2010/main" xmlns="" w="9525">
                     <a:solidFill>
                       <a:srgbClr val="000000"/>
                     </a:solidFill>
@@ -9947,7 +9947,7 @@
               </a:ln>
               <a:extLst>
                 <a:ext uri="{91240B29-F687-4f45-9708-019B960494DF}">
-                  <a14:hiddenLine xmlns="" xmlns:a14="http://schemas.microsoft.com/office/drawing/2010/main" w="9525">
+                  <a14:hiddenLine xmlns:a14="http://schemas.microsoft.com/office/drawing/2010/main" xmlns="" w="9525">
                     <a:solidFill>
                       <a:srgbClr val="000000"/>
                     </a:solidFill>
@@ -10037,7 +10037,7 @@
               </a:ln>
               <a:extLst>
                 <a:ext uri="{91240B29-F687-4f45-9708-019B960494DF}">
-                  <a14:hiddenLine xmlns="" xmlns:a14="http://schemas.microsoft.com/office/drawing/2010/main" w="9525">
+                  <a14:hiddenLine xmlns:a14="http://schemas.microsoft.com/office/drawing/2010/main" xmlns="" w="9525">
                     <a:solidFill>
                       <a:srgbClr val="000000"/>
                     </a:solidFill>
@@ -10099,7 +10099,7 @@
               </a:ln>
               <a:extLst>
                 <a:ext uri="{91240B29-F687-4f45-9708-019B960494DF}">
-                  <a14:hiddenLine xmlns="" xmlns:a14="http://schemas.microsoft.com/office/drawing/2010/main" w="9525">
+                  <a14:hiddenLine xmlns:a14="http://schemas.microsoft.com/office/drawing/2010/main" xmlns="" w="9525">
                     <a:solidFill>
                       <a:srgbClr val="000000"/>
                     </a:solidFill>
@@ -10209,7 +10209,7 @@
               </a:ln>
               <a:extLst>
                 <a:ext uri="{91240B29-F687-4f45-9708-019B960494DF}">
-                  <a14:hiddenLine xmlns="" xmlns:a14="http://schemas.microsoft.com/office/drawing/2010/main" w="9525">
+                  <a14:hiddenLine xmlns:a14="http://schemas.microsoft.com/office/drawing/2010/main" xmlns="" w="9525">
                     <a:solidFill>
                       <a:srgbClr val="000000"/>
                     </a:solidFill>
@@ -10293,7 +10293,7 @@
               </a:ln>
               <a:extLst>
                 <a:ext uri="{91240B29-F687-4f45-9708-019B960494DF}">
-                  <a14:hiddenLine xmlns="" xmlns:a14="http://schemas.microsoft.com/office/drawing/2010/main" w="9525">
+                  <a14:hiddenLine xmlns:a14="http://schemas.microsoft.com/office/drawing/2010/main" xmlns="" w="9525">
                     <a:solidFill>
                       <a:srgbClr val="000000"/>
                     </a:solidFill>
@@ -10355,7 +10355,7 @@
               </a:ln>
               <a:extLst>
                 <a:ext uri="{91240B29-F687-4f45-9708-019B960494DF}">
-                  <a14:hiddenLine xmlns="" xmlns:a14="http://schemas.microsoft.com/office/drawing/2010/main" w="9525">
+                  <a14:hiddenLine xmlns:a14="http://schemas.microsoft.com/office/drawing/2010/main" xmlns="" w="9525">
                     <a:solidFill>
                       <a:srgbClr val="000000"/>
                     </a:solidFill>
@@ -10417,7 +10417,7 @@
               </a:ln>
               <a:extLst>
                 <a:ext uri="{91240B29-F687-4f45-9708-019B960494DF}">
-                  <a14:hiddenLine xmlns="" xmlns:a14="http://schemas.microsoft.com/office/drawing/2010/main" w="9525">
+                  <a14:hiddenLine xmlns:a14="http://schemas.microsoft.com/office/drawing/2010/main" xmlns="" w="9525">
                     <a:solidFill>
                       <a:srgbClr val="000000"/>
                     </a:solidFill>
@@ -10507,7 +10507,7 @@
               </a:ln>
               <a:extLst>
                 <a:ext uri="{91240B29-F687-4f45-9708-019B960494DF}">
-                  <a14:hiddenLine xmlns="" xmlns:a14="http://schemas.microsoft.com/office/drawing/2010/main" w="9525">
+                  <a14:hiddenLine xmlns:a14="http://schemas.microsoft.com/office/drawing/2010/main" xmlns="" w="9525">
                     <a:solidFill>
                       <a:srgbClr val="000000"/>
                     </a:solidFill>
@@ -10541,7 +10541,7 @@
               </a:ln>
               <a:extLst>
                 <a:ext uri="{91240B29-F687-4f45-9708-019B960494DF}">
-                  <a14:hiddenLine xmlns="" xmlns:a14="http://schemas.microsoft.com/office/drawing/2010/main" w="9525">
+                  <a14:hiddenLine xmlns:a14="http://schemas.microsoft.com/office/drawing/2010/main" xmlns="" w="9525">
                     <a:solidFill>
                       <a:srgbClr val="000000"/>
                     </a:solidFill>
@@ -10606,7 +10606,7 @@
               </a:ln>
               <a:extLst>
                 <a:ext uri="{91240B29-F687-4f45-9708-019B960494DF}">
-                  <a14:hiddenLine xmlns="" xmlns:a14="http://schemas.microsoft.com/office/drawing/2010/main" w="9525">
+                  <a14:hiddenLine xmlns:a14="http://schemas.microsoft.com/office/drawing/2010/main" xmlns="" w="9525">
                     <a:solidFill>
                       <a:srgbClr val="000000"/>
                     </a:solidFill>
@@ -10696,7 +10696,7 @@
               </a:ln>
               <a:extLst>
                 <a:ext uri="{91240B29-F687-4f45-9708-019B960494DF}">
-                  <a14:hiddenLine xmlns="" xmlns:a14="http://schemas.microsoft.com/office/drawing/2010/main" w="9525">
+                  <a14:hiddenLine xmlns:a14="http://schemas.microsoft.com/office/drawing/2010/main" xmlns="" w="9525">
                     <a:solidFill>
                       <a:srgbClr val="000000"/>
                     </a:solidFill>
@@ -10758,7 +10758,7 @@
               </a:ln>
               <a:extLst>
                 <a:ext uri="{91240B29-F687-4f45-9708-019B960494DF}">
-                  <a14:hiddenLine xmlns="" xmlns:a14="http://schemas.microsoft.com/office/drawing/2010/main" w="9525">
+                  <a14:hiddenLine xmlns:a14="http://schemas.microsoft.com/office/drawing/2010/main" xmlns="" w="9525">
                     <a:solidFill>
                       <a:srgbClr val="000000"/>
                     </a:solidFill>
@@ -10848,7 +10848,7 @@
               </a:ln>
               <a:extLst>
                 <a:ext uri="{91240B29-F687-4f45-9708-019B960494DF}">
-                  <a14:hiddenLine xmlns="" xmlns:a14="http://schemas.microsoft.com/office/drawing/2010/main" w="9525">
+                  <a14:hiddenLine xmlns:a14="http://schemas.microsoft.com/office/drawing/2010/main" xmlns="" w="9525">
                     <a:solidFill>
                       <a:srgbClr val="000000"/>
                     </a:solidFill>
@@ -10913,7 +10913,7 @@
               </a:ln>
               <a:extLst>
                 <a:ext uri="{91240B29-F687-4f45-9708-019B960494DF}">
-                  <a14:hiddenLine xmlns="" xmlns:a14="http://schemas.microsoft.com/office/drawing/2010/main" w="9525">
+                  <a14:hiddenLine xmlns:a14="http://schemas.microsoft.com/office/drawing/2010/main" xmlns="" w="9525">
                     <a:solidFill>
                       <a:srgbClr val="000000"/>
                     </a:solidFill>
@@ -10975,7 +10975,7 @@
               </a:ln>
               <a:extLst>
                 <a:ext uri="{91240B29-F687-4f45-9708-019B960494DF}">
-                  <a14:hiddenLine xmlns="" xmlns:a14="http://schemas.microsoft.com/office/drawing/2010/main" w="9525">
+                  <a14:hiddenLine xmlns:a14="http://schemas.microsoft.com/office/drawing/2010/main" xmlns="" w="9525">
                     <a:solidFill>
                       <a:srgbClr val="000000"/>
                     </a:solidFill>
@@ -11065,7 +11065,7 @@
               </a:ln>
               <a:extLst>
                 <a:ext uri="{91240B29-F687-4f45-9708-019B960494DF}">
-                  <a14:hiddenLine xmlns="" xmlns:a14="http://schemas.microsoft.com/office/drawing/2010/main" w="9525">
+                  <a14:hiddenLine xmlns:a14="http://schemas.microsoft.com/office/drawing/2010/main" xmlns="" w="9525">
                     <a:solidFill>
                       <a:srgbClr val="000000"/>
                     </a:solidFill>
@@ -11155,7 +11155,7 @@
               </a:ln>
               <a:extLst>
                 <a:ext uri="{91240B29-F687-4f45-9708-019B960494DF}">
-                  <a14:hiddenLine xmlns="" xmlns:a14="http://schemas.microsoft.com/office/drawing/2010/main" w="9525">
+                  <a14:hiddenLine xmlns:a14="http://schemas.microsoft.com/office/drawing/2010/main" xmlns="" w="9525">
                     <a:solidFill>
                       <a:srgbClr val="000000"/>
                     </a:solidFill>
@@ -11220,7 +11220,7 @@
               </a:ln>
               <a:extLst>
                 <a:ext uri="{91240B29-F687-4f45-9708-019B960494DF}">
-                  <a14:hiddenLine xmlns="" xmlns:a14="http://schemas.microsoft.com/office/drawing/2010/main" w="9525">
+                  <a14:hiddenLine xmlns:a14="http://schemas.microsoft.com/office/drawing/2010/main" xmlns="" w="9525">
                     <a:solidFill>
                       <a:srgbClr val="000000"/>
                     </a:solidFill>
@@ -11340,7 +11340,7 @@
               </a:ln>
               <a:extLst>
                 <a:ext uri="{91240B29-F687-4f45-9708-019B960494DF}">
-                  <a14:hiddenLine xmlns="" xmlns:a14="http://schemas.microsoft.com/office/drawing/2010/main" w="9525">
+                  <a14:hiddenLine xmlns:a14="http://schemas.microsoft.com/office/drawing/2010/main" xmlns="" w="9525">
                     <a:solidFill>
                       <a:srgbClr val="000000"/>
                     </a:solidFill>
@@ -11421,7 +11421,7 @@
               </a:ln>
               <a:extLst>
                 <a:ext uri="{91240B29-F687-4f45-9708-019B960494DF}">
-                  <a14:hiddenLine xmlns="" xmlns:a14="http://schemas.microsoft.com/office/drawing/2010/main" w="9525">
+                  <a14:hiddenLine xmlns:a14="http://schemas.microsoft.com/office/drawing/2010/main" xmlns="" w="9525">
                     <a:solidFill>
                       <a:srgbClr val="000000"/>
                     </a:solidFill>
@@ -11536,7 +11536,7 @@
               </a:ln>
               <a:extLst>
                 <a:ext uri="{91240B29-F687-4f45-9708-019B960494DF}">
-                  <a14:hiddenLine xmlns="" xmlns:a14="http://schemas.microsoft.com/office/drawing/2010/main" w="9525">
+                  <a14:hiddenLine xmlns:a14="http://schemas.microsoft.com/office/drawing/2010/main" xmlns="" w="9525">
                     <a:solidFill>
                       <a:srgbClr val="000000"/>
                     </a:solidFill>
@@ -11626,7 +11626,7 @@
               </a:ln>
               <a:extLst>
                 <a:ext uri="{91240B29-F687-4f45-9708-019B960494DF}">
-                  <a14:hiddenLine xmlns="" xmlns:a14="http://schemas.microsoft.com/office/drawing/2010/main" w="9525">
+                  <a14:hiddenLine xmlns:a14="http://schemas.microsoft.com/office/drawing/2010/main" xmlns="" w="9525">
                     <a:solidFill>
                       <a:srgbClr val="000000"/>
                     </a:solidFill>
@@ -11691,7 +11691,7 @@
               </a:ln>
               <a:extLst>
                 <a:ext uri="{91240B29-F687-4f45-9708-019B960494DF}">
-                  <a14:hiddenLine xmlns="" xmlns:a14="http://schemas.microsoft.com/office/drawing/2010/main" w="9525">
+                  <a14:hiddenLine xmlns:a14="http://schemas.microsoft.com/office/drawing/2010/main" xmlns="" w="9525">
                     <a:solidFill>
                       <a:srgbClr val="000000"/>
                     </a:solidFill>
@@ -11781,7 +11781,7 @@
               </a:ln>
               <a:extLst>
                 <a:ext uri="{91240B29-F687-4f45-9708-019B960494DF}">
-                  <a14:hiddenLine xmlns="" xmlns:a14="http://schemas.microsoft.com/office/drawing/2010/main" w="9525">
+                  <a14:hiddenLine xmlns:a14="http://schemas.microsoft.com/office/drawing/2010/main" xmlns="" w="9525">
                     <a:solidFill>
                       <a:srgbClr val="000000"/>
                     </a:solidFill>
@@ -11849,7 +11849,7 @@
               </a:ln>
               <a:extLst>
                 <a:ext uri="{91240B29-F687-4f45-9708-019B960494DF}">
-                  <a14:hiddenLine xmlns="" xmlns:a14="http://schemas.microsoft.com/office/drawing/2010/main" w="9525">
+                  <a14:hiddenLine xmlns:a14="http://schemas.microsoft.com/office/drawing/2010/main" xmlns="" w="9525">
                     <a:solidFill>
                       <a:srgbClr val="000000"/>
                     </a:solidFill>
@@ -11939,7 +11939,7 @@
               </a:ln>
               <a:extLst>
                 <a:ext uri="{91240B29-F687-4f45-9708-019B960494DF}">
-                  <a14:hiddenLine xmlns="" xmlns:a14="http://schemas.microsoft.com/office/drawing/2010/main" w="9525">
+                  <a14:hiddenLine xmlns:a14="http://schemas.microsoft.com/office/drawing/2010/main" xmlns="" w="9525">
                     <a:solidFill>
                       <a:srgbClr val="000000"/>
                     </a:solidFill>
@@ -12007,7 +12007,7 @@
               </a:ln>
               <a:extLst>
                 <a:ext uri="{91240B29-F687-4f45-9708-019B960494DF}">
-                  <a14:hiddenLine xmlns="" xmlns:a14="http://schemas.microsoft.com/office/drawing/2010/main" w="9525">
+                  <a14:hiddenLine xmlns:a14="http://schemas.microsoft.com/office/drawing/2010/main" xmlns="" w="9525">
                     <a:solidFill>
                       <a:srgbClr val="000000"/>
                     </a:solidFill>
@@ -12097,7 +12097,7 @@
               </a:ln>
               <a:extLst>
                 <a:ext uri="{91240B29-F687-4f45-9708-019B960494DF}">
-                  <a14:hiddenLine xmlns="" xmlns:a14="http://schemas.microsoft.com/office/drawing/2010/main" w="9525">
+                  <a14:hiddenLine xmlns:a14="http://schemas.microsoft.com/office/drawing/2010/main" xmlns="" w="9525">
                     <a:solidFill>
                       <a:srgbClr val="000000"/>
                     </a:solidFill>
@@ -12131,7 +12131,7 @@
               </a:ln>
               <a:extLst>
                 <a:ext uri="{91240B29-F687-4f45-9708-019B960494DF}">
-                  <a14:hiddenLine xmlns="" xmlns:a14="http://schemas.microsoft.com/office/drawing/2010/main" w="9525">
+                  <a14:hiddenLine xmlns:a14="http://schemas.microsoft.com/office/drawing/2010/main" xmlns="" w="9525">
                     <a:solidFill>
                       <a:srgbClr val="000000"/>
                     </a:solidFill>
@@ -13531,8 +13531,25 @@
                   </a:schemeClr>
                 </a:solidFill>
               </a:rPr>
-              <a:t>Deep learning models were developed using commodity futures data and historical historical S&amp;P returns?</a:t>
-            </a:r>
+              <a:t>Deep learning models were developed using commodity futures data and historical historical S&amp;</a:t>
+            </a:r>
+            <a:r>
+              <a:rPr lang="en-US">
+                <a:solidFill>
+                  <a:schemeClr val="accent2">
+                    <a:lumMod val="75000"/>
+                  </a:schemeClr>
+                </a:solidFill>
+              </a:rPr>
+              <a:t>P returns.</a:t>
+            </a:r>
+            <a:endParaRPr lang="en-US" dirty="0">
+              <a:solidFill>
+                <a:schemeClr val="accent2">
+                  <a:lumMod val="75000"/>
+                </a:schemeClr>
+              </a:solidFill>
+            </a:endParaRPr>
           </a:p>
           <a:p>
             <a:r>
